--- a/Slides/Yazılım Mimarileri - Bolum 3.pptx
+++ b/Slides/Yazılım Mimarileri - Bolum 3.pptx
@@ -251,7 +251,7 @@
           <a:p>
             <a:fld id="{AD6C5312-AC23-4532-98A3-D1F14AD8D612}" type="datetimeFigureOut">
               <a:rPr lang="en-US" smtClean="0"/>
-              <a:t>10/11/2023</a:t>
+              <a:t>10/18/2023</a:t>
             </a:fld>
             <a:endParaRPr lang="en-US"/>
           </a:p>
@@ -665,7 +665,7 @@
           <a:p>
             <a:fld id="{1EF65BA3-D42C-4D83-83AF-D4390FDCAD1F}" type="datetimeFigureOut">
               <a:rPr lang="en-US" smtClean="0"/>
-              <a:t>10/11/2023</a:t>
+              <a:t>10/18/2023</a:t>
             </a:fld>
             <a:endParaRPr lang="en-US"/>
           </a:p>
@@ -863,7 +863,7 @@
           <a:p>
             <a:fld id="{1EF65BA3-D42C-4D83-83AF-D4390FDCAD1F}" type="datetimeFigureOut">
               <a:rPr lang="en-US" smtClean="0"/>
-              <a:t>10/11/2023</a:t>
+              <a:t>10/18/2023</a:t>
             </a:fld>
             <a:endParaRPr lang="en-US"/>
           </a:p>
@@ -1071,7 +1071,7 @@
           <a:p>
             <a:fld id="{1EF65BA3-D42C-4D83-83AF-D4390FDCAD1F}" type="datetimeFigureOut">
               <a:rPr lang="en-US" smtClean="0"/>
-              <a:t>10/11/2023</a:t>
+              <a:t>10/18/2023</a:t>
             </a:fld>
             <a:endParaRPr lang="en-US"/>
           </a:p>
@@ -1269,7 +1269,7 @@
           <a:p>
             <a:fld id="{1EF65BA3-D42C-4D83-83AF-D4390FDCAD1F}" type="datetimeFigureOut">
               <a:rPr lang="en-US" smtClean="0"/>
-              <a:t>10/11/2023</a:t>
+              <a:t>10/18/2023</a:t>
             </a:fld>
             <a:endParaRPr lang="en-US"/>
           </a:p>
@@ -1544,7 +1544,7 @@
           <a:p>
             <a:fld id="{1EF65BA3-D42C-4D83-83AF-D4390FDCAD1F}" type="datetimeFigureOut">
               <a:rPr lang="en-US" smtClean="0"/>
-              <a:t>10/11/2023</a:t>
+              <a:t>10/18/2023</a:t>
             </a:fld>
             <a:endParaRPr lang="en-US"/>
           </a:p>
@@ -1809,7 +1809,7 @@
           <a:p>
             <a:fld id="{1EF65BA3-D42C-4D83-83AF-D4390FDCAD1F}" type="datetimeFigureOut">
               <a:rPr lang="en-US" smtClean="0"/>
-              <a:t>10/11/2023</a:t>
+              <a:t>10/18/2023</a:t>
             </a:fld>
             <a:endParaRPr lang="en-US"/>
           </a:p>
@@ -2221,7 +2221,7 @@
           <a:p>
             <a:fld id="{1EF65BA3-D42C-4D83-83AF-D4390FDCAD1F}" type="datetimeFigureOut">
               <a:rPr lang="en-US" smtClean="0"/>
-              <a:t>10/11/2023</a:t>
+              <a:t>10/18/2023</a:t>
             </a:fld>
             <a:endParaRPr lang="en-US"/>
           </a:p>
@@ -2362,7 +2362,7 @@
           <a:p>
             <a:fld id="{1EF65BA3-D42C-4D83-83AF-D4390FDCAD1F}" type="datetimeFigureOut">
               <a:rPr lang="en-US" smtClean="0"/>
-              <a:t>10/11/2023</a:t>
+              <a:t>10/18/2023</a:t>
             </a:fld>
             <a:endParaRPr lang="en-US"/>
           </a:p>
@@ -2475,7 +2475,7 @@
           <a:p>
             <a:fld id="{1EF65BA3-D42C-4D83-83AF-D4390FDCAD1F}" type="datetimeFigureOut">
               <a:rPr lang="en-US" smtClean="0"/>
-              <a:t>10/11/2023</a:t>
+              <a:t>10/18/2023</a:t>
             </a:fld>
             <a:endParaRPr lang="en-US"/>
           </a:p>
@@ -2786,7 +2786,7 @@
           <a:p>
             <a:fld id="{1EF65BA3-D42C-4D83-83AF-D4390FDCAD1F}" type="datetimeFigureOut">
               <a:rPr lang="en-US" smtClean="0"/>
-              <a:t>10/11/2023</a:t>
+              <a:t>10/18/2023</a:t>
             </a:fld>
             <a:endParaRPr lang="en-US"/>
           </a:p>
@@ -3074,7 +3074,7 @@
           <a:p>
             <a:fld id="{1EF65BA3-D42C-4D83-83AF-D4390FDCAD1F}" type="datetimeFigureOut">
               <a:rPr lang="en-US" smtClean="0"/>
-              <a:t>10/11/2023</a:t>
+              <a:t>10/18/2023</a:t>
             </a:fld>
             <a:endParaRPr lang="en-US"/>
           </a:p>
@@ -3315,7 +3315,7 @@
           <a:p>
             <a:fld id="{1EF65BA3-D42C-4D83-83AF-D4390FDCAD1F}" type="datetimeFigureOut">
               <a:rPr lang="en-US" smtClean="0"/>
-              <a:t>10/11/2023</a:t>
+              <a:t>10/18/2023</a:t>
             </a:fld>
             <a:endParaRPr lang="en-US"/>
           </a:p>
@@ -4116,7 +4116,7 @@
               <a:buChar char="Ø"/>
             </a:pPr>
             <a:r>
-              <a:rPr lang="en-US" sz="3200" dirty="0">
+              <a:rPr lang="en-US" sz="3200" b="1" dirty="0">
                 <a:latin typeface="Times New Roman" panose="02020603050405020304" pitchFamily="18" charset="0"/>
                 <a:cs typeface="Times New Roman" panose="02020603050405020304" pitchFamily="18" charset="0"/>
               </a:rPr>
@@ -4240,7 +4240,7 @@
               <a:t>Bir </a:t>
             </a:r>
             <a:r>
-              <a:rPr lang="en-US" sz="2800" dirty="0" err="1">
+              <a:rPr lang="en-US" sz="2800" b="1" dirty="0" err="1">
                 <a:latin typeface="Times New Roman" panose="02020603050405020304" pitchFamily="18" charset="0"/>
                 <a:cs typeface="Times New Roman" panose="02020603050405020304" pitchFamily="18" charset="0"/>
               </a:rPr>
@@ -4288,14 +4288,14 @@
               <a:buChar char="o"/>
             </a:pPr>
             <a:r>
-              <a:rPr lang="en-US" sz="2800" dirty="0" err="1">
+              <a:rPr lang="en-US" sz="2800" b="1" dirty="0" err="1">
                 <a:latin typeface="Times New Roman" panose="02020603050405020304" pitchFamily="18" charset="0"/>
                 <a:cs typeface="Times New Roman" panose="02020603050405020304" pitchFamily="18" charset="0"/>
               </a:rPr>
               <a:t>Çoklu</a:t>
             </a:r>
             <a:r>
-              <a:rPr lang="en-US" sz="2800" dirty="0">
+              <a:rPr lang="en-US" sz="2800" b="1" dirty="0">
                 <a:latin typeface="Times New Roman" panose="02020603050405020304" pitchFamily="18" charset="0"/>
                 <a:cs typeface="Times New Roman" panose="02020603050405020304" pitchFamily="18" charset="0"/>
               </a:rPr>
@@ -4322,11 +4322,18 @@
               <a:buChar char="o"/>
             </a:pPr>
             <a:r>
+              <a:rPr lang="en-US" sz="2800" b="1" dirty="0">
+                <a:latin typeface="Times New Roman" panose="02020603050405020304" pitchFamily="18" charset="0"/>
+                <a:cs typeface="Times New Roman" panose="02020603050405020304" pitchFamily="18" charset="0"/>
+              </a:rPr>
+              <a:t>Travel light</a:t>
+            </a:r>
+            <a:r>
               <a:rPr lang="en-US" sz="2800" dirty="0">
                 <a:latin typeface="Times New Roman" panose="02020603050405020304" pitchFamily="18" charset="0"/>
                 <a:cs typeface="Times New Roman" panose="02020603050405020304" pitchFamily="18" charset="0"/>
               </a:rPr>
-              <a:t>Travel light.</a:t>
+              <a:t>.</a:t>
             </a:r>
           </a:p>
           <a:p>
@@ -4335,7 +4342,7 @@
               <a:buChar char="o"/>
             </a:pPr>
             <a:r>
-              <a:rPr lang="en-US" sz="2800" dirty="0" err="1">
+              <a:rPr lang="en-US" sz="2800" b="1" dirty="0" err="1">
                 <a:latin typeface="Times New Roman" panose="02020603050405020304" pitchFamily="18" charset="0"/>
                 <a:cs typeface="Times New Roman" panose="02020603050405020304" pitchFamily="18" charset="0"/>
               </a:rPr>
@@ -4397,11 +4404,25 @@
               <a:buChar char="o"/>
             </a:pPr>
             <a:r>
+              <a:rPr lang="en-US" sz="2800" b="1" dirty="0" err="1">
+                <a:latin typeface="Times New Roman" panose="02020603050405020304" pitchFamily="18" charset="0"/>
+                <a:cs typeface="Times New Roman" panose="02020603050405020304" pitchFamily="18" charset="0"/>
+              </a:rPr>
+              <a:t>İçeriği</a:t>
+            </a:r>
+            <a:r>
+              <a:rPr lang="en-US" sz="2800" dirty="0">
+                <a:latin typeface="Times New Roman" panose="02020603050405020304" pitchFamily="18" charset="0"/>
+                <a:cs typeface="Times New Roman" panose="02020603050405020304" pitchFamily="18" charset="0"/>
+              </a:rPr>
+              <a:t> </a:t>
+            </a:r>
+            <a:r>
               <a:rPr lang="en-US" sz="2800" dirty="0" err="1">
                 <a:latin typeface="Times New Roman" panose="02020603050405020304" pitchFamily="18" charset="0"/>
                 <a:cs typeface="Times New Roman" panose="02020603050405020304" pitchFamily="18" charset="0"/>
               </a:rPr>
-              <a:t>İçeriği</a:t>
+              <a:t>oluşturmada</a:t>
             </a:r>
             <a:r>
               <a:rPr lang="en-US" sz="2800" dirty="0">
@@ -4415,7 +4436,7 @@
                 <a:latin typeface="Times New Roman" panose="02020603050405020304" pitchFamily="18" charset="0"/>
                 <a:cs typeface="Times New Roman" panose="02020603050405020304" pitchFamily="18" charset="0"/>
               </a:rPr>
-              <a:t>oluşturmada</a:t>
+              <a:t>kullandığın</a:t>
             </a:r>
             <a:r>
               <a:rPr lang="en-US" sz="2800" dirty="0">
@@ -4425,42 +4446,35 @@
               <a:t> </a:t>
             </a:r>
             <a:r>
-              <a:rPr lang="en-US" sz="2800" dirty="0" err="1">
-                <a:latin typeface="Times New Roman" panose="02020603050405020304" pitchFamily="18" charset="0"/>
-                <a:cs typeface="Times New Roman" panose="02020603050405020304" pitchFamily="18" charset="0"/>
-              </a:rPr>
-              <a:t>kullandığın</a:t>
-            </a:r>
-            <a:r>
-              <a:rPr lang="en-US" sz="2800" dirty="0">
-                <a:latin typeface="Times New Roman" panose="02020603050405020304" pitchFamily="18" charset="0"/>
-                <a:cs typeface="Times New Roman" panose="02020603050405020304" pitchFamily="18" charset="0"/>
-              </a:rPr>
-              <a:t> model </a:t>
-            </a:r>
-            <a:r>
-              <a:rPr lang="en-US" sz="2800" dirty="0" err="1">
+              <a:rPr lang="en-US" sz="2800" b="1" dirty="0">
+                <a:latin typeface="Times New Roman" panose="02020603050405020304" pitchFamily="18" charset="0"/>
+                <a:cs typeface="Times New Roman" panose="02020603050405020304" pitchFamily="18" charset="0"/>
+              </a:rPr>
+              <a:t>model </a:t>
+            </a:r>
+            <a:r>
+              <a:rPr lang="en-US" sz="2800" b="1" dirty="0" err="1">
                 <a:latin typeface="Times New Roman" panose="02020603050405020304" pitchFamily="18" charset="0"/>
                 <a:cs typeface="Times New Roman" panose="02020603050405020304" pitchFamily="18" charset="0"/>
               </a:rPr>
               <a:t>ve</a:t>
             </a:r>
             <a:r>
-              <a:rPr lang="en-US" sz="2800" dirty="0">
-                <a:latin typeface="Times New Roman" panose="02020603050405020304" pitchFamily="18" charset="0"/>
-                <a:cs typeface="Times New Roman" panose="02020603050405020304" pitchFamily="18" charset="0"/>
-              </a:rPr>
-              <a:t> </a:t>
-            </a:r>
-            <a:r>
-              <a:rPr lang="en-US" sz="2800" dirty="0" err="1">
+              <a:rPr lang="en-US" sz="2800" b="1" dirty="0">
+                <a:latin typeface="Times New Roman" panose="02020603050405020304" pitchFamily="18" charset="0"/>
+                <a:cs typeface="Times New Roman" panose="02020603050405020304" pitchFamily="18" charset="0"/>
+              </a:rPr>
+              <a:t> </a:t>
+            </a:r>
+            <a:r>
+              <a:rPr lang="en-US" sz="2800" b="1" dirty="0" err="1">
                 <a:latin typeface="Times New Roman" panose="02020603050405020304" pitchFamily="18" charset="0"/>
                 <a:cs typeface="Times New Roman" panose="02020603050405020304" pitchFamily="18" charset="0"/>
               </a:rPr>
               <a:t>araçları</a:t>
             </a:r>
             <a:r>
-              <a:rPr lang="en-US" sz="2800" dirty="0">
+              <a:rPr lang="en-US" sz="2800" b="1" dirty="0">
                 <a:latin typeface="Times New Roman" panose="02020603050405020304" pitchFamily="18" charset="0"/>
                 <a:cs typeface="Times New Roman" panose="02020603050405020304" pitchFamily="18" charset="0"/>
               </a:rPr>
@@ -4487,7 +4501,7 @@
               <a:buChar char="o"/>
             </a:pPr>
             <a:r>
-              <a:rPr lang="en-US" sz="2800" dirty="0">
+              <a:rPr lang="en-US" sz="2800" b="1" dirty="0">
                 <a:latin typeface="Times New Roman" panose="02020603050405020304" pitchFamily="18" charset="0"/>
                 <a:cs typeface="Times New Roman" panose="02020603050405020304" pitchFamily="18" charset="0"/>
               </a:rPr>
@@ -4760,7 +4774,21 @@
                 <a:latin typeface="Times New Roman" panose="02020603050405020304" pitchFamily="18" charset="0"/>
                 <a:cs typeface="Times New Roman" panose="02020603050405020304" pitchFamily="18" charset="0"/>
               </a:rPr>
-              <a:t>, 1990’larda</a:t>
+              <a:t>, </a:t>
+            </a:r>
+            <a:r>
+              <a:rPr lang="en-US" b="1" dirty="0">
+                <a:latin typeface="Times New Roman" panose="02020603050405020304" pitchFamily="18" charset="0"/>
+                <a:cs typeface="Times New Roman" panose="02020603050405020304" pitchFamily="18" charset="0"/>
+              </a:rPr>
+              <a:t>1990</a:t>
+            </a:r>
+            <a:r>
+              <a:rPr lang="en-US" dirty="0">
+                <a:latin typeface="Times New Roman" panose="02020603050405020304" pitchFamily="18" charset="0"/>
+                <a:cs typeface="Times New Roman" panose="02020603050405020304" pitchFamily="18" charset="0"/>
+              </a:rPr>
+              <a:t>’larda</a:t>
             </a:r>
             <a:r>
               <a:rPr lang="tr-TR" dirty="0">
@@ -5221,42 +5249,42 @@
               <a:t> </a:t>
             </a:r>
             <a:r>
-              <a:rPr lang="en-US" dirty="0" err="1">
+              <a:rPr lang="en-US" b="1" dirty="0" err="1">
                 <a:latin typeface="Times New Roman" panose="02020603050405020304" pitchFamily="18" charset="0"/>
                 <a:cs typeface="Times New Roman" panose="02020603050405020304" pitchFamily="18" charset="0"/>
               </a:rPr>
               <a:t>etkili</a:t>
             </a:r>
             <a:r>
-              <a:rPr lang="en-US" dirty="0">
-                <a:latin typeface="Times New Roman" panose="02020603050405020304" pitchFamily="18" charset="0"/>
-                <a:cs typeface="Times New Roman" panose="02020603050405020304" pitchFamily="18" charset="0"/>
-              </a:rPr>
-              <a:t> </a:t>
-            </a:r>
-            <a:r>
-              <a:rPr lang="en-US" dirty="0" err="1">
+              <a:rPr lang="en-US" b="1" dirty="0">
+                <a:latin typeface="Times New Roman" panose="02020603050405020304" pitchFamily="18" charset="0"/>
+                <a:cs typeface="Times New Roman" panose="02020603050405020304" pitchFamily="18" charset="0"/>
+              </a:rPr>
+              <a:t> </a:t>
+            </a:r>
+            <a:r>
+              <a:rPr lang="en-US" b="1" dirty="0" err="1">
                 <a:latin typeface="Times New Roman" panose="02020603050405020304" pitchFamily="18" charset="0"/>
                 <a:cs typeface="Times New Roman" panose="02020603050405020304" pitchFamily="18" charset="0"/>
               </a:rPr>
               <a:t>ve</a:t>
             </a:r>
             <a:r>
-              <a:rPr lang="en-US" dirty="0">
-                <a:latin typeface="Times New Roman" panose="02020603050405020304" pitchFamily="18" charset="0"/>
-                <a:cs typeface="Times New Roman" panose="02020603050405020304" pitchFamily="18" charset="0"/>
-              </a:rPr>
-              <a:t> </a:t>
-            </a:r>
-            <a:r>
-              <a:rPr lang="en-US" dirty="0" err="1">
+              <a:rPr lang="en-US" b="1" dirty="0">
+                <a:latin typeface="Times New Roman" panose="02020603050405020304" pitchFamily="18" charset="0"/>
+                <a:cs typeface="Times New Roman" panose="02020603050405020304" pitchFamily="18" charset="0"/>
+              </a:rPr>
+              <a:t> </a:t>
+            </a:r>
+            <a:r>
+              <a:rPr lang="en-US" b="1" dirty="0" err="1">
                 <a:latin typeface="Times New Roman" panose="02020603050405020304" pitchFamily="18" charset="0"/>
                 <a:cs typeface="Times New Roman" panose="02020603050405020304" pitchFamily="18" charset="0"/>
               </a:rPr>
               <a:t>verimli</a:t>
             </a:r>
             <a:r>
-              <a:rPr lang="en-US" dirty="0">
+              <a:rPr lang="en-US" b="1" dirty="0">
                 <a:latin typeface="Times New Roman" panose="02020603050405020304" pitchFamily="18" charset="0"/>
                 <a:cs typeface="Times New Roman" panose="02020603050405020304" pitchFamily="18" charset="0"/>
               </a:rPr>
@@ -6045,11 +6073,18 @@
               <a:buChar char="Ø"/>
             </a:pPr>
             <a:r>
-              <a:rPr lang="en-US" dirty="0">
-                <a:latin typeface="Times New Roman" panose="02020603050405020304" pitchFamily="18" charset="0"/>
-                <a:cs typeface="Times New Roman" panose="02020603050405020304" pitchFamily="18" charset="0"/>
-              </a:rPr>
-              <a:t>2001 </a:t>
+              <a:rPr lang="en-US" b="1" dirty="0">
+                <a:latin typeface="Times New Roman" panose="02020603050405020304" pitchFamily="18" charset="0"/>
+                <a:cs typeface="Times New Roman" panose="02020603050405020304" pitchFamily="18" charset="0"/>
+              </a:rPr>
+              <a:t>2001</a:t>
+            </a:r>
+            <a:r>
+              <a:rPr lang="en-US" dirty="0">
+                <a:latin typeface="Times New Roman" panose="02020603050405020304" pitchFamily="18" charset="0"/>
+                <a:cs typeface="Times New Roman" panose="02020603050405020304" pitchFamily="18" charset="0"/>
+              </a:rPr>
+              <a:t> </a:t>
             </a:r>
             <a:r>
               <a:rPr lang="en-US" dirty="0" err="1">
@@ -6262,60 +6297,67 @@
               <a:t> “</a:t>
             </a:r>
             <a:r>
-              <a:rPr lang="en-US" dirty="0" err="1">
+              <a:rPr lang="en-US" b="1" dirty="0" err="1">
                 <a:latin typeface="Times New Roman" panose="02020603050405020304" pitchFamily="18" charset="0"/>
                 <a:cs typeface="Times New Roman" panose="02020603050405020304" pitchFamily="18" charset="0"/>
               </a:rPr>
               <a:t>çevik</a:t>
             </a:r>
             <a:r>
-              <a:rPr lang="en-US" dirty="0">
-                <a:latin typeface="Times New Roman" panose="02020603050405020304" pitchFamily="18" charset="0"/>
-                <a:cs typeface="Times New Roman" panose="02020603050405020304" pitchFamily="18" charset="0"/>
-              </a:rPr>
-              <a:t> </a:t>
-            </a:r>
-            <a:r>
-              <a:rPr lang="en-US" dirty="0" err="1">
+              <a:rPr lang="en-US" b="1" dirty="0">
+                <a:latin typeface="Times New Roman" panose="02020603050405020304" pitchFamily="18" charset="0"/>
+                <a:cs typeface="Times New Roman" panose="02020603050405020304" pitchFamily="18" charset="0"/>
+              </a:rPr>
+              <a:t> </a:t>
+            </a:r>
+            <a:r>
+              <a:rPr lang="en-US" b="1" dirty="0" err="1">
                 <a:latin typeface="Times New Roman" panose="02020603050405020304" pitchFamily="18" charset="0"/>
                 <a:cs typeface="Times New Roman" panose="02020603050405020304" pitchFamily="18" charset="0"/>
               </a:rPr>
               <a:t>yazılım</a:t>
             </a:r>
             <a:r>
-              <a:rPr lang="en-US" dirty="0">
-                <a:latin typeface="Times New Roman" panose="02020603050405020304" pitchFamily="18" charset="0"/>
-                <a:cs typeface="Times New Roman" panose="02020603050405020304" pitchFamily="18" charset="0"/>
-              </a:rPr>
-              <a:t> </a:t>
-            </a:r>
-            <a:r>
-              <a:rPr lang="en-US" dirty="0" err="1">
+              <a:rPr lang="en-US" b="1" dirty="0">
+                <a:latin typeface="Times New Roman" panose="02020603050405020304" pitchFamily="18" charset="0"/>
+                <a:cs typeface="Times New Roman" panose="02020603050405020304" pitchFamily="18" charset="0"/>
+              </a:rPr>
+              <a:t> </a:t>
+            </a:r>
+            <a:r>
+              <a:rPr lang="en-US" b="1" dirty="0" err="1">
                 <a:latin typeface="Times New Roman" panose="02020603050405020304" pitchFamily="18" charset="0"/>
                 <a:cs typeface="Times New Roman" panose="02020603050405020304" pitchFamily="18" charset="0"/>
               </a:rPr>
               <a:t>geliştirme</a:t>
             </a:r>
             <a:r>
-              <a:rPr lang="tr-TR" dirty="0">
-                <a:latin typeface="Times New Roman" panose="02020603050405020304" pitchFamily="18" charset="0"/>
-                <a:cs typeface="Times New Roman" panose="02020603050405020304" pitchFamily="18" charset="0"/>
-              </a:rPr>
-              <a:t> </a:t>
-            </a:r>
-            <a:r>
-              <a:rPr lang="en-US" dirty="0" err="1">
+              <a:rPr lang="tr-TR" b="1" dirty="0">
+                <a:latin typeface="Times New Roman" panose="02020603050405020304" pitchFamily="18" charset="0"/>
+                <a:cs typeface="Times New Roman" panose="02020603050405020304" pitchFamily="18" charset="0"/>
+              </a:rPr>
+              <a:t> </a:t>
+            </a:r>
+            <a:r>
+              <a:rPr lang="en-US" b="1" dirty="0" err="1">
                 <a:latin typeface="Times New Roman" panose="02020603050405020304" pitchFamily="18" charset="0"/>
                 <a:cs typeface="Times New Roman" panose="02020603050405020304" pitchFamily="18" charset="0"/>
               </a:rPr>
               <a:t>manifestosu</a:t>
             </a:r>
             <a:r>
-              <a:rPr lang="en-US" dirty="0">
-                <a:latin typeface="Times New Roman" panose="02020603050405020304" pitchFamily="18" charset="0"/>
-                <a:cs typeface="Times New Roman" panose="02020603050405020304" pitchFamily="18" charset="0"/>
-              </a:rPr>
-              <a:t>” nu </a:t>
+              <a:rPr lang="en-US" dirty="0" err="1">
+                <a:latin typeface="Times New Roman" panose="02020603050405020304" pitchFamily="18" charset="0"/>
+                <a:cs typeface="Times New Roman" panose="02020603050405020304" pitchFamily="18" charset="0"/>
+              </a:rPr>
+              <a:t>”nu</a:t>
+            </a:r>
+            <a:r>
+              <a:rPr lang="en-US" dirty="0">
+                <a:latin typeface="Times New Roman" panose="02020603050405020304" pitchFamily="18" charset="0"/>
+                <a:cs typeface="Times New Roman" panose="02020603050405020304" pitchFamily="18" charset="0"/>
+              </a:rPr>
+              <a:t> </a:t>
             </a:r>
             <a:r>
               <a:rPr lang="en-US" dirty="0" err="1">
@@ -6408,7 +6450,7 @@
               <a:t> </a:t>
             </a:r>
             <a:r>
-              <a:rPr lang="en-US" dirty="0" err="1">
+              <a:rPr lang="en-US" b="1" dirty="0" err="1">
                 <a:latin typeface="Times New Roman" panose="02020603050405020304" pitchFamily="18" charset="0"/>
                 <a:cs typeface="Times New Roman" panose="02020603050405020304" pitchFamily="18" charset="0"/>
               </a:rPr>
@@ -6436,35 +6478,35 @@
               <a:t> </a:t>
             </a:r>
             <a:r>
-              <a:rPr lang="en-US" dirty="0" err="1">
+              <a:rPr lang="en-US" b="1" dirty="0" err="1">
                 <a:latin typeface="Times New Roman" panose="02020603050405020304" pitchFamily="18" charset="0"/>
                 <a:cs typeface="Times New Roman" panose="02020603050405020304" pitchFamily="18" charset="0"/>
               </a:rPr>
               <a:t>araç</a:t>
             </a:r>
             <a:r>
-              <a:rPr lang="en-US" dirty="0">
-                <a:latin typeface="Times New Roman" panose="02020603050405020304" pitchFamily="18" charset="0"/>
-                <a:cs typeface="Times New Roman" panose="02020603050405020304" pitchFamily="18" charset="0"/>
-              </a:rPr>
-              <a:t> </a:t>
-            </a:r>
-            <a:r>
-              <a:rPr lang="en-US" dirty="0" err="1">
+              <a:rPr lang="en-US" b="1" dirty="0">
+                <a:latin typeface="Times New Roman" panose="02020603050405020304" pitchFamily="18" charset="0"/>
+                <a:cs typeface="Times New Roman" panose="02020603050405020304" pitchFamily="18" charset="0"/>
+              </a:rPr>
+              <a:t> </a:t>
+            </a:r>
+            <a:r>
+              <a:rPr lang="en-US" b="1" dirty="0" err="1">
                 <a:latin typeface="Times New Roman" panose="02020603050405020304" pitchFamily="18" charset="0"/>
                 <a:cs typeface="Times New Roman" panose="02020603050405020304" pitchFamily="18" charset="0"/>
               </a:rPr>
               <a:t>ve</a:t>
             </a:r>
             <a:r>
-              <a:rPr lang="en-US" dirty="0">
-                <a:latin typeface="Times New Roman" panose="02020603050405020304" pitchFamily="18" charset="0"/>
-                <a:cs typeface="Times New Roman" panose="02020603050405020304" pitchFamily="18" charset="0"/>
-              </a:rPr>
-              <a:t> </a:t>
-            </a:r>
-            <a:r>
-              <a:rPr lang="en-US" dirty="0" err="1">
+              <a:rPr lang="en-US" b="1" dirty="0">
+                <a:latin typeface="Times New Roman" panose="02020603050405020304" pitchFamily="18" charset="0"/>
+                <a:cs typeface="Times New Roman" panose="02020603050405020304" pitchFamily="18" charset="0"/>
+              </a:rPr>
+              <a:t> </a:t>
+            </a:r>
+            <a:r>
+              <a:rPr lang="en-US" b="1" dirty="0" err="1">
                 <a:latin typeface="Times New Roman" panose="02020603050405020304" pitchFamily="18" charset="0"/>
                 <a:cs typeface="Times New Roman" panose="02020603050405020304" pitchFamily="18" charset="0"/>
               </a:rPr>
@@ -6498,7 +6540,7 @@
               <a:t> </a:t>
             </a:r>
             <a:r>
-              <a:rPr lang="en-US" dirty="0" err="1">
+              <a:rPr lang="en-US" b="1" dirty="0" err="1">
                 <a:latin typeface="Times New Roman" panose="02020603050405020304" pitchFamily="18" charset="0"/>
                 <a:cs typeface="Times New Roman" panose="02020603050405020304" pitchFamily="18" charset="0"/>
               </a:rPr>
@@ -6512,21 +6554,21 @@
               <a:t>, </a:t>
             </a:r>
             <a:r>
-              <a:rPr lang="en-US" dirty="0" err="1">
+              <a:rPr lang="en-US" b="1" dirty="0" err="1">
                 <a:latin typeface="Times New Roman" panose="02020603050405020304" pitchFamily="18" charset="0"/>
                 <a:cs typeface="Times New Roman" panose="02020603050405020304" pitchFamily="18" charset="0"/>
               </a:rPr>
               <a:t>detaylı</a:t>
             </a:r>
             <a:r>
-              <a:rPr lang="en-US" dirty="0">
-                <a:latin typeface="Times New Roman" panose="02020603050405020304" pitchFamily="18" charset="0"/>
-                <a:cs typeface="Times New Roman" panose="02020603050405020304" pitchFamily="18" charset="0"/>
-              </a:rPr>
-              <a:t> </a:t>
-            </a:r>
-            <a:r>
-              <a:rPr lang="en-US" dirty="0" err="1">
+              <a:rPr lang="en-US" b="1" dirty="0">
+                <a:latin typeface="Times New Roman" panose="02020603050405020304" pitchFamily="18" charset="0"/>
+                <a:cs typeface="Times New Roman" panose="02020603050405020304" pitchFamily="18" charset="0"/>
+              </a:rPr>
+              <a:t> </a:t>
+            </a:r>
+            <a:r>
+              <a:rPr lang="en-US" b="1" dirty="0" err="1">
                 <a:latin typeface="Times New Roman" panose="02020603050405020304" pitchFamily="18" charset="0"/>
                 <a:cs typeface="Times New Roman" panose="02020603050405020304" pitchFamily="18" charset="0"/>
               </a:rPr>
@@ -6546,35 +6588,35 @@
               <a:buChar char="o"/>
             </a:pPr>
             <a:r>
-              <a:rPr lang="en-US" dirty="0" err="1">
+              <a:rPr lang="en-US" b="1" dirty="0" err="1">
                 <a:latin typeface="Times New Roman" panose="02020603050405020304" pitchFamily="18" charset="0"/>
                 <a:cs typeface="Times New Roman" panose="02020603050405020304" pitchFamily="18" charset="0"/>
               </a:rPr>
               <a:t>Müşteri</a:t>
             </a:r>
             <a:r>
-              <a:rPr lang="en-US" dirty="0">
-                <a:latin typeface="Times New Roman" panose="02020603050405020304" pitchFamily="18" charset="0"/>
-                <a:cs typeface="Times New Roman" panose="02020603050405020304" pitchFamily="18" charset="0"/>
-              </a:rPr>
-              <a:t> </a:t>
-            </a:r>
-            <a:r>
-              <a:rPr lang="en-US" dirty="0" err="1">
+              <a:rPr lang="en-US" b="1" dirty="0">
+                <a:latin typeface="Times New Roman" panose="02020603050405020304" pitchFamily="18" charset="0"/>
+                <a:cs typeface="Times New Roman" panose="02020603050405020304" pitchFamily="18" charset="0"/>
+              </a:rPr>
+              <a:t> </a:t>
+            </a:r>
+            <a:r>
+              <a:rPr lang="en-US" b="1" dirty="0" err="1">
                 <a:latin typeface="Times New Roman" panose="02020603050405020304" pitchFamily="18" charset="0"/>
                 <a:cs typeface="Times New Roman" panose="02020603050405020304" pitchFamily="18" charset="0"/>
               </a:rPr>
               <a:t>ile</a:t>
             </a:r>
             <a:r>
-              <a:rPr lang="en-US" dirty="0">
-                <a:latin typeface="Times New Roman" panose="02020603050405020304" pitchFamily="18" charset="0"/>
-                <a:cs typeface="Times New Roman" panose="02020603050405020304" pitchFamily="18" charset="0"/>
-              </a:rPr>
-              <a:t> </a:t>
-            </a:r>
-            <a:r>
-              <a:rPr lang="en-US" dirty="0" err="1">
+              <a:rPr lang="en-US" b="1" dirty="0">
+                <a:latin typeface="Times New Roman" panose="02020603050405020304" pitchFamily="18" charset="0"/>
+                <a:cs typeface="Times New Roman" panose="02020603050405020304" pitchFamily="18" charset="0"/>
+              </a:rPr>
+              <a:t> </a:t>
+            </a:r>
+            <a:r>
+              <a:rPr lang="en-US" b="1" dirty="0" err="1">
                 <a:latin typeface="Times New Roman" panose="02020603050405020304" pitchFamily="18" charset="0"/>
                 <a:cs typeface="Times New Roman" panose="02020603050405020304" pitchFamily="18" charset="0"/>
               </a:rPr>
@@ -6602,21 +6644,21 @@
               <a:t> </a:t>
             </a:r>
             <a:r>
-              <a:rPr lang="en-US" dirty="0" err="1">
+              <a:rPr lang="en-US" b="1" dirty="0" err="1">
                 <a:latin typeface="Times New Roman" panose="02020603050405020304" pitchFamily="18" charset="0"/>
                 <a:cs typeface="Times New Roman" panose="02020603050405020304" pitchFamily="18" charset="0"/>
               </a:rPr>
               <a:t>kesin</a:t>
             </a:r>
             <a:r>
-              <a:rPr lang="en-US" dirty="0">
-                <a:latin typeface="Times New Roman" panose="02020603050405020304" pitchFamily="18" charset="0"/>
-                <a:cs typeface="Times New Roman" panose="02020603050405020304" pitchFamily="18" charset="0"/>
-              </a:rPr>
-              <a:t> </a:t>
-            </a:r>
-            <a:r>
-              <a:rPr lang="en-US" dirty="0" err="1">
+              <a:rPr lang="en-US" b="1" dirty="0">
+                <a:latin typeface="Times New Roman" panose="02020603050405020304" pitchFamily="18" charset="0"/>
+                <a:cs typeface="Times New Roman" panose="02020603050405020304" pitchFamily="18" charset="0"/>
+              </a:rPr>
+              <a:t> </a:t>
+            </a:r>
+            <a:r>
+              <a:rPr lang="en-US" b="1" dirty="0" err="1">
                 <a:latin typeface="Times New Roman" panose="02020603050405020304" pitchFamily="18" charset="0"/>
                 <a:cs typeface="Times New Roman" panose="02020603050405020304" pitchFamily="18" charset="0"/>
               </a:rPr>
@@ -6650,21 +6692,21 @@
               <a:t> </a:t>
             </a:r>
             <a:r>
-              <a:rPr lang="en-US" dirty="0" err="1">
+              <a:rPr lang="en-US" b="1" dirty="0" err="1">
                 <a:latin typeface="Times New Roman" panose="02020603050405020304" pitchFamily="18" charset="0"/>
                 <a:cs typeface="Times New Roman" panose="02020603050405020304" pitchFamily="18" charset="0"/>
               </a:rPr>
               <a:t>uyum</a:t>
             </a:r>
             <a:r>
-              <a:rPr lang="en-US" dirty="0">
-                <a:latin typeface="Times New Roman" panose="02020603050405020304" pitchFamily="18" charset="0"/>
-                <a:cs typeface="Times New Roman" panose="02020603050405020304" pitchFamily="18" charset="0"/>
-              </a:rPr>
-              <a:t> </a:t>
-            </a:r>
-            <a:r>
-              <a:rPr lang="en-US" dirty="0" err="1">
+              <a:rPr lang="en-US" b="1" dirty="0">
+                <a:latin typeface="Times New Roman" panose="02020603050405020304" pitchFamily="18" charset="0"/>
+                <a:cs typeface="Times New Roman" panose="02020603050405020304" pitchFamily="18" charset="0"/>
+              </a:rPr>
+              <a:t> </a:t>
+            </a:r>
+            <a:r>
+              <a:rPr lang="en-US" b="1" dirty="0" err="1">
                 <a:latin typeface="Times New Roman" panose="02020603050405020304" pitchFamily="18" charset="0"/>
                 <a:cs typeface="Times New Roman" panose="02020603050405020304" pitchFamily="18" charset="0"/>
               </a:rPr>
@@ -6706,21 +6748,21 @@
               <a:t> </a:t>
             </a:r>
             <a:r>
-              <a:rPr lang="en-US" dirty="0" err="1">
+              <a:rPr lang="en-US" b="1" dirty="0" err="1">
                 <a:latin typeface="Times New Roman" panose="02020603050405020304" pitchFamily="18" charset="0"/>
                 <a:cs typeface="Times New Roman" panose="02020603050405020304" pitchFamily="18" charset="0"/>
               </a:rPr>
               <a:t>takip</a:t>
             </a:r>
             <a:r>
-              <a:rPr lang="en-US" dirty="0">
-                <a:latin typeface="Times New Roman" panose="02020603050405020304" pitchFamily="18" charset="0"/>
-                <a:cs typeface="Times New Roman" panose="02020603050405020304" pitchFamily="18" charset="0"/>
-              </a:rPr>
-              <a:t> </a:t>
-            </a:r>
-            <a:r>
-              <a:rPr lang="en-US" dirty="0" err="1">
+              <a:rPr lang="en-US" b="1" dirty="0">
+                <a:latin typeface="Times New Roman" panose="02020603050405020304" pitchFamily="18" charset="0"/>
+                <a:cs typeface="Times New Roman" panose="02020603050405020304" pitchFamily="18" charset="0"/>
+              </a:rPr>
+              <a:t> </a:t>
+            </a:r>
+            <a:r>
+              <a:rPr lang="en-US" b="1" dirty="0" err="1">
                 <a:latin typeface="Times New Roman" panose="02020603050405020304" pitchFamily="18" charset="0"/>
                 <a:cs typeface="Times New Roman" panose="02020603050405020304" pitchFamily="18" charset="0"/>
               </a:rPr>
@@ -6933,6 +6975,16 @@
               <a:t>Manifestosu</a:t>
             </a:r>
             <a:r>
+              <a:rPr lang="tr-TR" sz="3600" b="1" dirty="0">
+                <a:solidFill>
+                  <a:srgbClr val="002060"/>
+                </a:solidFill>
+                <a:latin typeface="Times New Roman" panose="02020603050405020304" pitchFamily="18" charset="0"/>
+                <a:cs typeface="Times New Roman" panose="02020603050405020304" pitchFamily="18" charset="0"/>
+              </a:rPr>
+              <a:t> </a:t>
+            </a:r>
+            <a:r>
               <a:rPr lang="en-US" sz="3600" b="1" dirty="0">
                 <a:solidFill>
                   <a:srgbClr val="002060"/>
@@ -7079,98 +7131,98 @@
               <a:t> </a:t>
             </a:r>
             <a:r>
-              <a:rPr lang="en-US" dirty="0" err="1">
+              <a:rPr lang="en-US" b="1" dirty="0" err="1">
                 <a:latin typeface="Times New Roman" panose="02020603050405020304" pitchFamily="18" charset="0"/>
                 <a:cs typeface="Times New Roman" panose="02020603050405020304" pitchFamily="18" charset="0"/>
               </a:rPr>
               <a:t>erken</a:t>
             </a:r>
             <a:r>
-              <a:rPr lang="en-US" dirty="0">
-                <a:latin typeface="Times New Roman" panose="02020603050405020304" pitchFamily="18" charset="0"/>
-                <a:cs typeface="Times New Roman" panose="02020603050405020304" pitchFamily="18" charset="0"/>
-              </a:rPr>
-              <a:t> </a:t>
-            </a:r>
-            <a:r>
-              <a:rPr lang="en-US" dirty="0" err="1">
+              <a:rPr lang="en-US" b="1" dirty="0">
+                <a:latin typeface="Times New Roman" panose="02020603050405020304" pitchFamily="18" charset="0"/>
+                <a:cs typeface="Times New Roman" panose="02020603050405020304" pitchFamily="18" charset="0"/>
+              </a:rPr>
+              <a:t> </a:t>
+            </a:r>
+            <a:r>
+              <a:rPr lang="en-US" b="1" dirty="0" err="1">
                 <a:latin typeface="Times New Roman" panose="02020603050405020304" pitchFamily="18" charset="0"/>
                 <a:cs typeface="Times New Roman" panose="02020603050405020304" pitchFamily="18" charset="0"/>
               </a:rPr>
               <a:t>zamanda</a:t>
             </a:r>
             <a:r>
-              <a:rPr lang="en-US" dirty="0">
-                <a:latin typeface="Times New Roman" panose="02020603050405020304" pitchFamily="18" charset="0"/>
-                <a:cs typeface="Times New Roman" panose="02020603050405020304" pitchFamily="18" charset="0"/>
-              </a:rPr>
-              <a:t> </a:t>
-            </a:r>
-            <a:r>
-              <a:rPr lang="en-US" dirty="0" err="1">
+              <a:rPr lang="en-US" b="1" dirty="0">
+                <a:latin typeface="Times New Roman" panose="02020603050405020304" pitchFamily="18" charset="0"/>
+                <a:cs typeface="Times New Roman" panose="02020603050405020304" pitchFamily="18" charset="0"/>
+              </a:rPr>
+              <a:t> </a:t>
+            </a:r>
+            <a:r>
+              <a:rPr lang="en-US" b="1" dirty="0" err="1">
                 <a:latin typeface="Times New Roman" panose="02020603050405020304" pitchFamily="18" charset="0"/>
                 <a:cs typeface="Times New Roman" panose="02020603050405020304" pitchFamily="18" charset="0"/>
               </a:rPr>
               <a:t>ve</a:t>
             </a:r>
             <a:r>
-              <a:rPr lang="en-US" dirty="0">
-                <a:latin typeface="Times New Roman" panose="02020603050405020304" pitchFamily="18" charset="0"/>
-                <a:cs typeface="Times New Roman" panose="02020603050405020304" pitchFamily="18" charset="0"/>
-              </a:rPr>
-              <a:t> </a:t>
-            </a:r>
-            <a:r>
-              <a:rPr lang="en-US" dirty="0" err="1">
+              <a:rPr lang="en-US" b="1" dirty="0">
+                <a:latin typeface="Times New Roman" panose="02020603050405020304" pitchFamily="18" charset="0"/>
+                <a:cs typeface="Times New Roman" panose="02020603050405020304" pitchFamily="18" charset="0"/>
+              </a:rPr>
+              <a:t> </a:t>
+            </a:r>
+            <a:r>
+              <a:rPr lang="en-US" b="1" dirty="0" err="1">
                 <a:latin typeface="Times New Roman" panose="02020603050405020304" pitchFamily="18" charset="0"/>
                 <a:cs typeface="Times New Roman" panose="02020603050405020304" pitchFamily="18" charset="0"/>
               </a:rPr>
               <a:t>sürekli</a:t>
             </a:r>
             <a:r>
-              <a:rPr lang="en-US" dirty="0">
-                <a:latin typeface="Times New Roman" panose="02020603050405020304" pitchFamily="18" charset="0"/>
-                <a:cs typeface="Times New Roman" panose="02020603050405020304" pitchFamily="18" charset="0"/>
-              </a:rPr>
-              <a:t> </a:t>
-            </a:r>
-            <a:r>
-              <a:rPr lang="en-US" dirty="0" err="1">
+              <a:rPr lang="en-US" b="1" dirty="0">
+                <a:latin typeface="Times New Roman" panose="02020603050405020304" pitchFamily="18" charset="0"/>
+                <a:cs typeface="Times New Roman" panose="02020603050405020304" pitchFamily="18" charset="0"/>
+              </a:rPr>
+              <a:t> </a:t>
+            </a:r>
+            <a:r>
+              <a:rPr lang="en-US" b="1" dirty="0" err="1">
                 <a:latin typeface="Times New Roman" panose="02020603050405020304" pitchFamily="18" charset="0"/>
                 <a:cs typeface="Times New Roman" panose="02020603050405020304" pitchFamily="18" charset="0"/>
               </a:rPr>
               <a:t>bir</a:t>
             </a:r>
             <a:r>
-              <a:rPr lang="en-US" dirty="0">
-                <a:latin typeface="Times New Roman" panose="02020603050405020304" pitchFamily="18" charset="0"/>
-                <a:cs typeface="Times New Roman" panose="02020603050405020304" pitchFamily="18" charset="0"/>
-              </a:rPr>
-              <a:t> </a:t>
-            </a:r>
-            <a:r>
-              <a:rPr lang="en-US" dirty="0" err="1">
+              <a:rPr lang="en-US" b="1" dirty="0">
+                <a:latin typeface="Times New Roman" panose="02020603050405020304" pitchFamily="18" charset="0"/>
+                <a:cs typeface="Times New Roman" panose="02020603050405020304" pitchFamily="18" charset="0"/>
+              </a:rPr>
+              <a:t> </a:t>
+            </a:r>
+            <a:r>
+              <a:rPr lang="en-US" b="1" dirty="0" err="1">
                 <a:latin typeface="Times New Roman" panose="02020603050405020304" pitchFamily="18" charset="0"/>
                 <a:cs typeface="Times New Roman" panose="02020603050405020304" pitchFamily="18" charset="0"/>
               </a:rPr>
               <a:t>şekilde</a:t>
             </a:r>
             <a:r>
-              <a:rPr lang="tr-TR" dirty="0">
-                <a:latin typeface="Times New Roman" panose="02020603050405020304" pitchFamily="18" charset="0"/>
-                <a:cs typeface="Times New Roman" panose="02020603050405020304" pitchFamily="18" charset="0"/>
-              </a:rPr>
-              <a:t> </a:t>
-            </a:r>
-            <a:r>
-              <a:rPr lang="en-US" dirty="0" err="1">
+              <a:rPr lang="tr-TR" b="1" dirty="0">
+                <a:latin typeface="Times New Roman" panose="02020603050405020304" pitchFamily="18" charset="0"/>
+                <a:cs typeface="Times New Roman" panose="02020603050405020304" pitchFamily="18" charset="0"/>
+              </a:rPr>
+              <a:t> </a:t>
+            </a:r>
+            <a:r>
+              <a:rPr lang="en-US" b="1" dirty="0" err="1">
                 <a:latin typeface="Times New Roman" panose="02020603050405020304" pitchFamily="18" charset="0"/>
                 <a:cs typeface="Times New Roman" panose="02020603050405020304" pitchFamily="18" charset="0"/>
               </a:rPr>
               <a:t>sunarak</a:t>
             </a:r>
             <a:r>
-              <a:rPr lang="en-US" dirty="0">
+              <a:rPr lang="en-US" b="1" dirty="0">
                 <a:latin typeface="Times New Roman" panose="02020603050405020304" pitchFamily="18" charset="0"/>
                 <a:cs typeface="Times New Roman" panose="02020603050405020304" pitchFamily="18" charset="0"/>
               </a:rPr>
@@ -7469,91 +7521,91 @@
               <a:t> </a:t>
             </a:r>
             <a:r>
-              <a:rPr lang="en-US" dirty="0" err="1">
+              <a:rPr lang="en-US" b="1" dirty="0" err="1">
                 <a:latin typeface="Times New Roman" panose="02020603050405020304" pitchFamily="18" charset="0"/>
                 <a:cs typeface="Times New Roman" panose="02020603050405020304" pitchFamily="18" charset="0"/>
               </a:rPr>
               <a:t>bir</a:t>
             </a:r>
             <a:r>
-              <a:rPr lang="en-US" dirty="0">
-                <a:latin typeface="Times New Roman" panose="02020603050405020304" pitchFamily="18" charset="0"/>
-                <a:cs typeface="Times New Roman" panose="02020603050405020304" pitchFamily="18" charset="0"/>
-              </a:rPr>
-              <a:t> </a:t>
-            </a:r>
-            <a:r>
-              <a:rPr lang="en-US" dirty="0" err="1">
+              <a:rPr lang="en-US" b="1" dirty="0">
+                <a:latin typeface="Times New Roman" panose="02020603050405020304" pitchFamily="18" charset="0"/>
+                <a:cs typeface="Times New Roman" panose="02020603050405020304" pitchFamily="18" charset="0"/>
+              </a:rPr>
+              <a:t> </a:t>
+            </a:r>
+            <a:r>
+              <a:rPr lang="en-US" b="1" dirty="0" err="1">
                 <a:latin typeface="Times New Roman" panose="02020603050405020304" pitchFamily="18" charset="0"/>
                 <a:cs typeface="Times New Roman" panose="02020603050405020304" pitchFamily="18" charset="0"/>
               </a:rPr>
               <a:t>iki</a:t>
             </a:r>
             <a:r>
-              <a:rPr lang="en-US" dirty="0">
-                <a:latin typeface="Times New Roman" panose="02020603050405020304" pitchFamily="18" charset="0"/>
-                <a:cs typeface="Times New Roman" panose="02020603050405020304" pitchFamily="18" charset="0"/>
-              </a:rPr>
-              <a:t> </a:t>
-            </a:r>
-            <a:r>
-              <a:rPr lang="en-US" dirty="0" err="1">
+              <a:rPr lang="en-US" b="1" dirty="0">
+                <a:latin typeface="Times New Roman" panose="02020603050405020304" pitchFamily="18" charset="0"/>
+                <a:cs typeface="Times New Roman" panose="02020603050405020304" pitchFamily="18" charset="0"/>
+              </a:rPr>
+              <a:t> </a:t>
+            </a:r>
+            <a:r>
+              <a:rPr lang="en-US" b="1" dirty="0" err="1">
                 <a:latin typeface="Times New Roman" panose="02020603050405020304" pitchFamily="18" charset="0"/>
                 <a:cs typeface="Times New Roman" panose="02020603050405020304" pitchFamily="18" charset="0"/>
               </a:rPr>
               <a:t>haftadan</a:t>
             </a:r>
             <a:r>
-              <a:rPr lang="en-US" dirty="0">
-                <a:latin typeface="Times New Roman" panose="02020603050405020304" pitchFamily="18" charset="0"/>
-                <a:cs typeface="Times New Roman" panose="02020603050405020304" pitchFamily="18" charset="0"/>
-              </a:rPr>
-              <a:t> </a:t>
-            </a:r>
-            <a:r>
-              <a:rPr lang="en-US" dirty="0" err="1">
+              <a:rPr lang="en-US" b="1" dirty="0">
+                <a:latin typeface="Times New Roman" panose="02020603050405020304" pitchFamily="18" charset="0"/>
+                <a:cs typeface="Times New Roman" panose="02020603050405020304" pitchFamily="18" charset="0"/>
+              </a:rPr>
+              <a:t> </a:t>
+            </a:r>
+            <a:r>
+              <a:rPr lang="en-US" b="1" dirty="0" err="1">
                 <a:latin typeface="Times New Roman" panose="02020603050405020304" pitchFamily="18" charset="0"/>
                 <a:cs typeface="Times New Roman" panose="02020603050405020304" pitchFamily="18" charset="0"/>
               </a:rPr>
               <a:t>bir</a:t>
             </a:r>
             <a:r>
-              <a:rPr lang="en-US" dirty="0">
-                <a:latin typeface="Times New Roman" panose="02020603050405020304" pitchFamily="18" charset="0"/>
-                <a:cs typeface="Times New Roman" panose="02020603050405020304" pitchFamily="18" charset="0"/>
-              </a:rPr>
-              <a:t> </a:t>
-            </a:r>
-            <a:r>
-              <a:rPr lang="en-US" dirty="0" err="1">
+              <a:rPr lang="en-US" b="1" dirty="0">
+                <a:latin typeface="Times New Roman" panose="02020603050405020304" pitchFamily="18" charset="0"/>
+                <a:cs typeface="Times New Roman" panose="02020603050405020304" pitchFamily="18" charset="0"/>
+              </a:rPr>
+              <a:t> </a:t>
+            </a:r>
+            <a:r>
+              <a:rPr lang="en-US" b="1" dirty="0" err="1">
                 <a:latin typeface="Times New Roman" panose="02020603050405020304" pitchFamily="18" charset="0"/>
                 <a:cs typeface="Times New Roman" panose="02020603050405020304" pitchFamily="18" charset="0"/>
               </a:rPr>
               <a:t>iki</a:t>
             </a:r>
             <a:r>
-              <a:rPr lang="en-US" dirty="0">
-                <a:latin typeface="Times New Roman" panose="02020603050405020304" pitchFamily="18" charset="0"/>
-                <a:cs typeface="Times New Roman" panose="02020603050405020304" pitchFamily="18" charset="0"/>
-              </a:rPr>
-              <a:t> </a:t>
-            </a:r>
-            <a:r>
-              <a:rPr lang="en-US" dirty="0" err="1">
+              <a:rPr lang="en-US" b="1" dirty="0">
+                <a:latin typeface="Times New Roman" panose="02020603050405020304" pitchFamily="18" charset="0"/>
+                <a:cs typeface="Times New Roman" panose="02020603050405020304" pitchFamily="18" charset="0"/>
+              </a:rPr>
+              <a:t> </a:t>
+            </a:r>
+            <a:r>
+              <a:rPr lang="en-US" b="1" dirty="0" err="1">
                 <a:latin typeface="Times New Roman" panose="02020603050405020304" pitchFamily="18" charset="0"/>
                 <a:cs typeface="Times New Roman" panose="02020603050405020304" pitchFamily="18" charset="0"/>
               </a:rPr>
               <a:t>aya</a:t>
             </a:r>
             <a:r>
-              <a:rPr lang="en-US" dirty="0">
-                <a:latin typeface="Times New Roman" panose="02020603050405020304" pitchFamily="18" charset="0"/>
-                <a:cs typeface="Times New Roman" panose="02020603050405020304" pitchFamily="18" charset="0"/>
-              </a:rPr>
-              <a:t> </a:t>
-            </a:r>
-            <a:r>
-              <a:rPr lang="en-US" dirty="0" err="1">
+              <a:rPr lang="en-US" b="1" dirty="0">
+                <a:latin typeface="Times New Roman" panose="02020603050405020304" pitchFamily="18" charset="0"/>
+                <a:cs typeface="Times New Roman" panose="02020603050405020304" pitchFamily="18" charset="0"/>
+              </a:rPr>
+              <a:t> </a:t>
+            </a:r>
+            <a:r>
+              <a:rPr lang="en-US" b="1" dirty="0" err="1">
                 <a:latin typeface="Times New Roman" panose="02020603050405020304" pitchFamily="18" charset="0"/>
                 <a:cs typeface="Times New Roman" panose="02020603050405020304" pitchFamily="18" charset="0"/>
               </a:rPr>
@@ -7741,21 +7793,21 @@
               <a:t> </a:t>
             </a:r>
             <a:r>
-              <a:rPr lang="en-US" dirty="0" err="1">
+              <a:rPr lang="en-US" b="1" dirty="0" err="1">
                 <a:latin typeface="Times New Roman" panose="02020603050405020304" pitchFamily="18" charset="0"/>
                 <a:cs typeface="Times New Roman" panose="02020603050405020304" pitchFamily="18" charset="0"/>
               </a:rPr>
               <a:t>beraber</a:t>
             </a:r>
             <a:r>
-              <a:rPr lang="en-US" dirty="0">
-                <a:latin typeface="Times New Roman" panose="02020603050405020304" pitchFamily="18" charset="0"/>
-                <a:cs typeface="Times New Roman" panose="02020603050405020304" pitchFamily="18" charset="0"/>
-              </a:rPr>
-              <a:t> </a:t>
-            </a:r>
-            <a:r>
-              <a:rPr lang="en-US" dirty="0" err="1">
+              <a:rPr lang="en-US" b="1" dirty="0">
+                <a:latin typeface="Times New Roman" panose="02020603050405020304" pitchFamily="18" charset="0"/>
+                <a:cs typeface="Times New Roman" panose="02020603050405020304" pitchFamily="18" charset="0"/>
+              </a:rPr>
+              <a:t> </a:t>
+            </a:r>
+            <a:r>
+              <a:rPr lang="en-US" b="1" dirty="0" err="1">
                 <a:latin typeface="Times New Roman" panose="02020603050405020304" pitchFamily="18" charset="0"/>
                 <a:cs typeface="Times New Roman" panose="02020603050405020304" pitchFamily="18" charset="0"/>
               </a:rPr>
@@ -7774,7 +7826,7 @@
             </a:endParaRPr>
           </a:p>
           <a:p>
-            <a:pPr>
+            <a:pPr algn="just">
               <a:buFont typeface="Wingdings" panose="05000000000000000000" pitchFamily="2" charset="2"/>
               <a:buChar char="Ø"/>
             </a:pPr>
@@ -7793,42 +7845,42 @@
               <a:t> </a:t>
             </a:r>
             <a:r>
-              <a:rPr lang="en-US" dirty="0" err="1">
+              <a:rPr lang="en-US" b="1" dirty="0" err="1">
                 <a:latin typeface="Times New Roman" panose="02020603050405020304" pitchFamily="18" charset="0"/>
                 <a:cs typeface="Times New Roman" panose="02020603050405020304" pitchFamily="18" charset="0"/>
               </a:rPr>
               <a:t>motivasyonu</a:t>
             </a:r>
             <a:r>
-              <a:rPr lang="en-US" dirty="0">
-                <a:latin typeface="Times New Roman" panose="02020603050405020304" pitchFamily="18" charset="0"/>
-                <a:cs typeface="Times New Roman" panose="02020603050405020304" pitchFamily="18" charset="0"/>
-              </a:rPr>
-              <a:t> </a:t>
-            </a:r>
-            <a:r>
-              <a:rPr lang="en-US" dirty="0" err="1">
+              <a:rPr lang="en-US" b="1" dirty="0">
+                <a:latin typeface="Times New Roman" panose="02020603050405020304" pitchFamily="18" charset="0"/>
+                <a:cs typeface="Times New Roman" panose="02020603050405020304" pitchFamily="18" charset="0"/>
+              </a:rPr>
+              <a:t> </a:t>
+            </a:r>
+            <a:r>
+              <a:rPr lang="en-US" b="1" dirty="0" err="1">
                 <a:latin typeface="Times New Roman" panose="02020603050405020304" pitchFamily="18" charset="0"/>
                 <a:cs typeface="Times New Roman" panose="02020603050405020304" pitchFamily="18" charset="0"/>
               </a:rPr>
               <a:t>yüksek</a:t>
             </a:r>
             <a:r>
-              <a:rPr lang="en-US" dirty="0">
-                <a:latin typeface="Times New Roman" panose="02020603050405020304" pitchFamily="18" charset="0"/>
-                <a:cs typeface="Times New Roman" panose="02020603050405020304" pitchFamily="18" charset="0"/>
-              </a:rPr>
-              <a:t> </a:t>
-            </a:r>
-            <a:r>
-              <a:rPr lang="en-US" dirty="0" err="1">
+              <a:rPr lang="en-US" b="1" dirty="0">
+                <a:latin typeface="Times New Roman" panose="02020603050405020304" pitchFamily="18" charset="0"/>
+                <a:cs typeface="Times New Roman" panose="02020603050405020304" pitchFamily="18" charset="0"/>
+              </a:rPr>
+              <a:t> </a:t>
+            </a:r>
+            <a:r>
+              <a:rPr lang="en-US" b="1" dirty="0" err="1">
                 <a:latin typeface="Times New Roman" panose="02020603050405020304" pitchFamily="18" charset="0"/>
                 <a:cs typeface="Times New Roman" panose="02020603050405020304" pitchFamily="18" charset="0"/>
               </a:rPr>
               <a:t>bireylerin</a:t>
             </a:r>
             <a:r>
-              <a:rPr lang="en-US" dirty="0">
+              <a:rPr lang="en-US" b="1" dirty="0">
                 <a:latin typeface="Times New Roman" panose="02020603050405020304" pitchFamily="18" charset="0"/>
                 <a:cs typeface="Times New Roman" panose="02020603050405020304" pitchFamily="18" charset="0"/>
               </a:rPr>
@@ -8025,7 +8077,7 @@
             </a:r>
           </a:p>
           <a:p>
-            <a:pPr>
+            <a:pPr algn="just">
               <a:buFont typeface="Wingdings" panose="05000000000000000000" pitchFamily="2" charset="2"/>
               <a:buChar char="Ø"/>
             </a:pPr>
@@ -8366,6 +8418,16 @@
               <a:t>Manifestosu</a:t>
             </a:r>
             <a:r>
+              <a:rPr lang="tr-TR" sz="3600" b="1" dirty="0">
+                <a:solidFill>
+                  <a:srgbClr val="002060"/>
+                </a:solidFill>
+                <a:latin typeface="Times New Roman" panose="02020603050405020304" pitchFamily="18" charset="0"/>
+                <a:cs typeface="Times New Roman" panose="02020603050405020304" pitchFamily="18" charset="0"/>
+              </a:rPr>
+              <a:t> </a:t>
+            </a:r>
+            <a:r>
               <a:rPr lang="en-US" sz="3600" b="1" dirty="0">
                 <a:solidFill>
                   <a:srgbClr val="002060"/>
@@ -8419,11 +8481,11 @@
         </p:spPr>
         <p:txBody>
           <a:bodyPr>
-            <a:normAutofit/>
+            <a:normAutofit lnSpcReduction="10000"/>
           </a:bodyPr>
           <a:lstStyle/>
           <a:p>
-            <a:pPr>
+            <a:pPr algn="just">
               <a:buFont typeface="Wingdings" panose="05000000000000000000" pitchFamily="2" charset="2"/>
               <a:buChar char="Ø"/>
             </a:pPr>
@@ -8470,21 +8532,21 @@
               <a:t> </a:t>
             </a:r>
             <a:r>
-              <a:rPr lang="en-US" dirty="0" err="1">
+              <a:rPr lang="en-US" b="1" dirty="0" err="1">
                 <a:latin typeface="Times New Roman" panose="02020603050405020304" pitchFamily="18" charset="0"/>
                 <a:cs typeface="Times New Roman" panose="02020603050405020304" pitchFamily="18" charset="0"/>
               </a:rPr>
               <a:t>çalışan</a:t>
             </a:r>
             <a:r>
-              <a:rPr lang="en-US" dirty="0">
-                <a:latin typeface="Times New Roman" panose="02020603050405020304" pitchFamily="18" charset="0"/>
-                <a:cs typeface="Times New Roman" panose="02020603050405020304" pitchFamily="18" charset="0"/>
-              </a:rPr>
-              <a:t> </a:t>
-            </a:r>
-            <a:r>
-              <a:rPr lang="en-US" dirty="0" err="1">
+              <a:rPr lang="en-US" b="1" dirty="0">
+                <a:latin typeface="Times New Roman" panose="02020603050405020304" pitchFamily="18" charset="0"/>
+                <a:cs typeface="Times New Roman" panose="02020603050405020304" pitchFamily="18" charset="0"/>
+              </a:rPr>
+              <a:t> </a:t>
+            </a:r>
+            <a:r>
+              <a:rPr lang="en-US" b="1" dirty="0" err="1">
                 <a:latin typeface="Times New Roman" panose="02020603050405020304" pitchFamily="18" charset="0"/>
                 <a:cs typeface="Times New Roman" panose="02020603050405020304" pitchFamily="18" charset="0"/>
               </a:rPr>
@@ -8499,7 +8561,7 @@
             </a:r>
           </a:p>
           <a:p>
-            <a:pPr>
+            <a:pPr algn="just">
               <a:buFont typeface="Wingdings" panose="05000000000000000000" pitchFamily="2" charset="2"/>
               <a:buChar char="Ø"/>
             </a:pPr>
@@ -8637,75 +8699,75 @@
               <a:t> </a:t>
             </a:r>
             <a:r>
-              <a:rPr lang="en-US" dirty="0" err="1">
+              <a:rPr lang="en-US" b="1" dirty="0" err="1">
                 <a:latin typeface="Times New Roman" panose="02020603050405020304" pitchFamily="18" charset="0"/>
                 <a:cs typeface="Times New Roman" panose="02020603050405020304" pitchFamily="18" charset="0"/>
               </a:rPr>
               <a:t>sabit</a:t>
             </a:r>
             <a:r>
-              <a:rPr lang="en-US" dirty="0">
-                <a:latin typeface="Times New Roman" panose="02020603050405020304" pitchFamily="18" charset="0"/>
-                <a:cs typeface="Times New Roman" panose="02020603050405020304" pitchFamily="18" charset="0"/>
-              </a:rPr>
-              <a:t> </a:t>
-            </a:r>
-            <a:r>
-              <a:rPr lang="en-US" dirty="0" err="1">
+              <a:rPr lang="en-US" b="1" dirty="0">
+                <a:latin typeface="Times New Roman" panose="02020603050405020304" pitchFamily="18" charset="0"/>
+                <a:cs typeface="Times New Roman" panose="02020603050405020304" pitchFamily="18" charset="0"/>
+              </a:rPr>
+              <a:t> </a:t>
+            </a:r>
+            <a:r>
+              <a:rPr lang="en-US" b="1" dirty="0" err="1">
                 <a:latin typeface="Times New Roman" panose="02020603050405020304" pitchFamily="18" charset="0"/>
                 <a:cs typeface="Times New Roman" panose="02020603050405020304" pitchFamily="18" charset="0"/>
               </a:rPr>
               <a:t>hızlarını</a:t>
             </a:r>
             <a:r>
-              <a:rPr lang="en-US" dirty="0">
-                <a:latin typeface="Times New Roman" panose="02020603050405020304" pitchFamily="18" charset="0"/>
-                <a:cs typeface="Times New Roman" panose="02020603050405020304" pitchFamily="18" charset="0"/>
-              </a:rPr>
-              <a:t> </a:t>
-            </a:r>
-            <a:r>
-              <a:rPr lang="en-US" dirty="0" err="1">
+              <a:rPr lang="en-US" b="1" dirty="0">
+                <a:latin typeface="Times New Roman" panose="02020603050405020304" pitchFamily="18" charset="0"/>
+                <a:cs typeface="Times New Roman" panose="02020603050405020304" pitchFamily="18" charset="0"/>
+              </a:rPr>
+              <a:t> </a:t>
+            </a:r>
+            <a:r>
+              <a:rPr lang="en-US" b="1" dirty="0" err="1">
                 <a:latin typeface="Times New Roman" panose="02020603050405020304" pitchFamily="18" charset="0"/>
                 <a:cs typeface="Times New Roman" panose="02020603050405020304" pitchFamily="18" charset="0"/>
               </a:rPr>
               <a:t>sonsuz</a:t>
             </a:r>
             <a:r>
-              <a:rPr lang="en-US" dirty="0">
-                <a:latin typeface="Times New Roman" panose="02020603050405020304" pitchFamily="18" charset="0"/>
-                <a:cs typeface="Times New Roman" panose="02020603050405020304" pitchFamily="18" charset="0"/>
-              </a:rPr>
-              <a:t> </a:t>
-            </a:r>
-            <a:r>
-              <a:rPr lang="en-US" dirty="0" err="1">
+              <a:rPr lang="en-US" b="1" dirty="0">
+                <a:latin typeface="Times New Roman" panose="02020603050405020304" pitchFamily="18" charset="0"/>
+                <a:cs typeface="Times New Roman" panose="02020603050405020304" pitchFamily="18" charset="0"/>
+              </a:rPr>
+              <a:t> </a:t>
+            </a:r>
+            <a:r>
+              <a:rPr lang="en-US" b="1" dirty="0" err="1">
                 <a:latin typeface="Times New Roman" panose="02020603050405020304" pitchFamily="18" charset="0"/>
                 <a:cs typeface="Times New Roman" panose="02020603050405020304" pitchFamily="18" charset="0"/>
               </a:rPr>
               <a:t>şekilde</a:t>
             </a:r>
             <a:r>
-              <a:rPr lang="en-US" dirty="0">
-                <a:latin typeface="Times New Roman" panose="02020603050405020304" pitchFamily="18" charset="0"/>
-                <a:cs typeface="Times New Roman" panose="02020603050405020304" pitchFamily="18" charset="0"/>
-              </a:rPr>
-              <a:t> </a:t>
-            </a:r>
-            <a:r>
-              <a:rPr lang="en-US" dirty="0" err="1">
+              <a:rPr lang="en-US" b="1" dirty="0">
+                <a:latin typeface="Times New Roman" panose="02020603050405020304" pitchFamily="18" charset="0"/>
+                <a:cs typeface="Times New Roman" panose="02020603050405020304" pitchFamily="18" charset="0"/>
+              </a:rPr>
+              <a:t> </a:t>
+            </a:r>
+            <a:r>
+              <a:rPr lang="en-US" b="1" dirty="0" err="1">
                 <a:latin typeface="Times New Roman" panose="02020603050405020304" pitchFamily="18" charset="0"/>
                 <a:cs typeface="Times New Roman" panose="02020603050405020304" pitchFamily="18" charset="0"/>
               </a:rPr>
               <a:t>koruyabilirler</a:t>
             </a:r>
-            <a:endParaRPr lang="tr-TR" dirty="0">
+            <a:endParaRPr lang="tr-TR" b="1" dirty="0">
               <a:latin typeface="Times New Roman" panose="02020603050405020304" pitchFamily="18" charset="0"/>
               <a:cs typeface="Times New Roman" panose="02020603050405020304" pitchFamily="18" charset="0"/>
             </a:endParaRPr>
           </a:p>
           <a:p>
-            <a:pPr>
+            <a:pPr algn="just">
               <a:buFont typeface="Wingdings" panose="05000000000000000000" pitchFamily="2" charset="2"/>
               <a:buChar char="Ø"/>
             </a:pPr>
@@ -8779,12 +8841,12 @@
             </a:r>
           </a:p>
           <a:p>
-            <a:pPr>
+            <a:pPr algn="just">
               <a:buFont typeface="Wingdings" panose="05000000000000000000" pitchFamily="2" charset="2"/>
               <a:buChar char="Ø"/>
             </a:pPr>
             <a:r>
-              <a:rPr lang="en-US" dirty="0" err="1"/>
+              <a:rPr lang="en-US" b="1" dirty="0" err="1"/>
               <a:t>Basitlik</a:t>
             </a:r>
             <a:r>
@@ -8797,7 +8859,7 @@
             </a:r>
             <a:r>
               <a:rPr lang="en-US" dirty="0"/>
-              <a:t>. (</a:t>
+              <a:t> (</a:t>
             </a:r>
             <a:r>
               <a:rPr lang="en-US" dirty="0" err="1"/>
@@ -8842,7 +8904,7 @@
             <a:endParaRPr lang="tr-TR" dirty="0"/>
           </a:p>
           <a:p>
-            <a:pPr>
+            <a:pPr algn="just">
               <a:buFont typeface="Wingdings" panose="05000000000000000000" pitchFamily="2" charset="2"/>
               <a:buChar char="Ø"/>
             </a:pPr>
@@ -8864,7 +8926,7 @@
             </a:r>
             <a:r>
               <a:rPr lang="en-US" dirty="0"/>
-              <a:t>, </a:t>
+              <a:t> </a:t>
             </a:r>
             <a:r>
               <a:rPr lang="en-US" dirty="0" err="1"/>
@@ -8929,7 +8991,7 @@
             <a:endParaRPr lang="tr-TR" dirty="0"/>
           </a:p>
           <a:p>
-            <a:pPr>
+            <a:pPr algn="just">
               <a:buFont typeface="Wingdings" panose="05000000000000000000" pitchFamily="2" charset="2"/>
               <a:buChar char="Ø"/>
             </a:pPr>
@@ -9059,7 +9121,7 @@
             </a:r>
           </a:p>
           <a:p>
-            <a:pPr>
+            <a:pPr algn="just">
               <a:buFont typeface="Wingdings" panose="05000000000000000000" pitchFamily="2" charset="2"/>
               <a:buChar char="Ø"/>
             </a:pPr>
@@ -9234,7 +9296,7 @@
           </a:bodyPr>
           <a:lstStyle/>
           <a:p>
-            <a:pPr>
+            <a:pPr algn="just">
               <a:buFont typeface="Wingdings" panose="05000000000000000000" pitchFamily="2" charset="2"/>
               <a:buChar char="Ø"/>
             </a:pPr>
@@ -9491,49 +9553,49 @@
               <a:t> </a:t>
             </a:r>
             <a:r>
-              <a:rPr lang="en-US" dirty="0" err="1">
+              <a:rPr lang="en-US" b="1" dirty="0" err="1">
                 <a:latin typeface="Times New Roman" panose="02020603050405020304" pitchFamily="18" charset="0"/>
                 <a:cs typeface="Times New Roman" panose="02020603050405020304" pitchFamily="18" charset="0"/>
               </a:rPr>
               <a:t>nasıl</a:t>
             </a:r>
             <a:r>
-              <a:rPr lang="tr-TR" dirty="0">
-                <a:latin typeface="Times New Roman" panose="02020603050405020304" pitchFamily="18" charset="0"/>
-                <a:cs typeface="Times New Roman" panose="02020603050405020304" pitchFamily="18" charset="0"/>
-              </a:rPr>
-              <a:t> </a:t>
-            </a:r>
-            <a:r>
-              <a:rPr lang="en-US" dirty="0" err="1">
+              <a:rPr lang="tr-TR" b="1" dirty="0">
+                <a:latin typeface="Times New Roman" panose="02020603050405020304" pitchFamily="18" charset="0"/>
+                <a:cs typeface="Times New Roman" panose="02020603050405020304" pitchFamily="18" charset="0"/>
+              </a:rPr>
+              <a:t> </a:t>
+            </a:r>
+            <a:r>
+              <a:rPr lang="en-US" b="1" dirty="0" err="1">
                 <a:latin typeface="Times New Roman" panose="02020603050405020304" pitchFamily="18" charset="0"/>
                 <a:cs typeface="Times New Roman" panose="02020603050405020304" pitchFamily="18" charset="0"/>
               </a:rPr>
               <a:t>uygulanması</a:t>
             </a:r>
             <a:r>
-              <a:rPr lang="en-US" dirty="0">
-                <a:latin typeface="Times New Roman" panose="02020603050405020304" pitchFamily="18" charset="0"/>
-                <a:cs typeface="Times New Roman" panose="02020603050405020304" pitchFamily="18" charset="0"/>
-              </a:rPr>
-              <a:t> </a:t>
-            </a:r>
-            <a:r>
-              <a:rPr lang="en-US" dirty="0" err="1">
+              <a:rPr lang="en-US" b="1" dirty="0">
+                <a:latin typeface="Times New Roman" panose="02020603050405020304" pitchFamily="18" charset="0"/>
+                <a:cs typeface="Times New Roman" panose="02020603050405020304" pitchFamily="18" charset="0"/>
+              </a:rPr>
+              <a:t> </a:t>
+            </a:r>
+            <a:r>
+              <a:rPr lang="en-US" b="1" dirty="0" err="1">
                 <a:latin typeface="Times New Roman" panose="02020603050405020304" pitchFamily="18" charset="0"/>
                 <a:cs typeface="Times New Roman" panose="02020603050405020304" pitchFamily="18" charset="0"/>
               </a:rPr>
               <a:t>gerektiğini</a:t>
             </a:r>
             <a:r>
-              <a:rPr lang="en-US" dirty="0">
-                <a:latin typeface="Times New Roman" panose="02020603050405020304" pitchFamily="18" charset="0"/>
-                <a:cs typeface="Times New Roman" panose="02020603050405020304" pitchFamily="18" charset="0"/>
-              </a:rPr>
-              <a:t> </a:t>
-            </a:r>
-            <a:r>
-              <a:rPr lang="en-US" dirty="0" err="1">
+              <a:rPr lang="en-US" b="1" dirty="0">
+                <a:latin typeface="Times New Roman" panose="02020603050405020304" pitchFamily="18" charset="0"/>
+                <a:cs typeface="Times New Roman" panose="02020603050405020304" pitchFamily="18" charset="0"/>
+              </a:rPr>
+              <a:t> </a:t>
+            </a:r>
+            <a:r>
+              <a:rPr lang="en-US" b="1" dirty="0" err="1">
                 <a:latin typeface="Times New Roman" panose="02020603050405020304" pitchFamily="18" charset="0"/>
                 <a:cs typeface="Times New Roman" panose="02020603050405020304" pitchFamily="18" charset="0"/>
               </a:rPr>
@@ -9548,7 +9610,7 @@
             </a:r>
           </a:p>
           <a:p>
-            <a:pPr>
+            <a:pPr algn="just">
               <a:buFont typeface="Wingdings" panose="05000000000000000000" pitchFamily="2" charset="2"/>
               <a:buChar char="Ø"/>
             </a:pPr>
@@ -9637,28 +9699,28 @@
               <a:t> bile </a:t>
             </a:r>
             <a:r>
-              <a:rPr lang="en-US" dirty="0" err="1">
+              <a:rPr lang="en-US" b="1" dirty="0" err="1">
                 <a:latin typeface="Times New Roman" panose="02020603050405020304" pitchFamily="18" charset="0"/>
                 <a:cs typeface="Times New Roman" panose="02020603050405020304" pitchFamily="18" charset="0"/>
               </a:rPr>
               <a:t>nasıl</a:t>
             </a:r>
             <a:r>
-              <a:rPr lang="tr-TR" dirty="0">
-                <a:latin typeface="Times New Roman" panose="02020603050405020304" pitchFamily="18" charset="0"/>
-                <a:cs typeface="Times New Roman" panose="02020603050405020304" pitchFamily="18" charset="0"/>
-              </a:rPr>
-              <a:t> </a:t>
-            </a:r>
-            <a:r>
-              <a:rPr lang="en-US" dirty="0">
+              <a:rPr lang="tr-TR" b="1" dirty="0">
+                <a:latin typeface="Times New Roman" panose="02020603050405020304" pitchFamily="18" charset="0"/>
+                <a:cs typeface="Times New Roman" panose="02020603050405020304" pitchFamily="18" charset="0"/>
+              </a:rPr>
+              <a:t> </a:t>
+            </a:r>
+            <a:r>
+              <a:rPr lang="en-US" b="1" dirty="0">
                 <a:latin typeface="Times New Roman" panose="02020603050405020304" pitchFamily="18" charset="0"/>
                 <a:cs typeface="Times New Roman" panose="02020603050405020304" pitchFamily="18" charset="0"/>
               </a:rPr>
               <a:t>test </a:t>
             </a:r>
             <a:r>
-              <a:rPr lang="en-US" dirty="0" err="1">
+              <a:rPr lang="en-US" b="1" dirty="0" err="1">
                 <a:latin typeface="Times New Roman" panose="02020603050405020304" pitchFamily="18" charset="0"/>
                 <a:cs typeface="Times New Roman" panose="02020603050405020304" pitchFamily="18" charset="0"/>
               </a:rPr>
@@ -9701,7 +9763,7 @@
             </a:r>
           </a:p>
           <a:p>
-            <a:pPr>
+            <a:pPr algn="just">
               <a:buFont typeface="Wingdings" panose="05000000000000000000" pitchFamily="2" charset="2"/>
               <a:buChar char="Ø"/>
             </a:pPr>
@@ -9976,73 +10038,80 @@
                 <a:latin typeface="Times New Roman" panose="02020603050405020304" pitchFamily="18" charset="0"/>
                 <a:cs typeface="Times New Roman" panose="02020603050405020304" pitchFamily="18" charset="0"/>
               </a:rPr>
-              <a:t> da her </a:t>
-            </a:r>
-            <a:r>
-              <a:rPr lang="en-US" dirty="0" err="1">
+              <a:t> da </a:t>
+            </a:r>
+            <a:r>
+              <a:rPr lang="en-US" b="1" dirty="0">
+                <a:latin typeface="Times New Roman" panose="02020603050405020304" pitchFamily="18" charset="0"/>
+                <a:cs typeface="Times New Roman" panose="02020603050405020304" pitchFamily="18" charset="0"/>
+              </a:rPr>
+              <a:t>her </a:t>
+            </a:r>
+            <a:r>
+              <a:rPr lang="en-US" b="1" dirty="0" err="1">
                 <a:latin typeface="Times New Roman" panose="02020603050405020304" pitchFamily="18" charset="0"/>
                 <a:cs typeface="Times New Roman" panose="02020603050405020304" pitchFamily="18" charset="0"/>
               </a:rPr>
               <a:t>türlü</a:t>
             </a:r>
             <a:r>
-              <a:rPr lang="en-US" dirty="0">
-                <a:latin typeface="Times New Roman" panose="02020603050405020304" pitchFamily="18" charset="0"/>
-                <a:cs typeface="Times New Roman" panose="02020603050405020304" pitchFamily="18" charset="0"/>
-              </a:rPr>
-              <a:t> </a:t>
-            </a:r>
-            <a:r>
-              <a:rPr lang="en-US" dirty="0" err="1">
+              <a:rPr lang="en-US" b="1" dirty="0">
+                <a:latin typeface="Times New Roman" panose="02020603050405020304" pitchFamily="18" charset="0"/>
+                <a:cs typeface="Times New Roman" panose="02020603050405020304" pitchFamily="18" charset="0"/>
+              </a:rPr>
+              <a:t> </a:t>
+            </a:r>
+            <a:r>
+              <a:rPr lang="en-US" b="1" dirty="0" err="1">
                 <a:latin typeface="Times New Roman" panose="02020603050405020304" pitchFamily="18" charset="0"/>
                 <a:cs typeface="Times New Roman" panose="02020603050405020304" pitchFamily="18" charset="0"/>
               </a:rPr>
               <a:t>değişikliğe</a:t>
             </a:r>
             <a:r>
-              <a:rPr lang="en-US" dirty="0">
-                <a:latin typeface="Times New Roman" panose="02020603050405020304" pitchFamily="18" charset="0"/>
-                <a:cs typeface="Times New Roman" panose="02020603050405020304" pitchFamily="18" charset="0"/>
-              </a:rPr>
-              <a:t> </a:t>
-            </a:r>
-            <a:r>
-              <a:rPr lang="en-US" dirty="0" err="1">
+              <a:rPr lang="en-US" b="1" dirty="0">
+                <a:latin typeface="Times New Roman" panose="02020603050405020304" pitchFamily="18" charset="0"/>
+                <a:cs typeface="Times New Roman" panose="02020603050405020304" pitchFamily="18" charset="0"/>
+              </a:rPr>
+              <a:t> </a:t>
+            </a:r>
+            <a:r>
+              <a:rPr lang="en-US" b="1" dirty="0" err="1">
                 <a:latin typeface="Times New Roman" panose="02020603050405020304" pitchFamily="18" charset="0"/>
                 <a:cs typeface="Times New Roman" panose="02020603050405020304" pitchFamily="18" charset="0"/>
               </a:rPr>
               <a:t>kolayca</a:t>
             </a:r>
             <a:r>
-              <a:rPr lang="en-US" dirty="0">
-                <a:latin typeface="Times New Roman" panose="02020603050405020304" pitchFamily="18" charset="0"/>
-                <a:cs typeface="Times New Roman" panose="02020603050405020304" pitchFamily="18" charset="0"/>
-              </a:rPr>
-              <a:t> </a:t>
-            </a:r>
-            <a:r>
-              <a:rPr lang="en-US" dirty="0" err="1">
+              <a:rPr lang="en-US" b="1" dirty="0">
+                <a:latin typeface="Times New Roman" panose="02020603050405020304" pitchFamily="18" charset="0"/>
+                <a:cs typeface="Times New Roman" panose="02020603050405020304" pitchFamily="18" charset="0"/>
+              </a:rPr>
+              <a:t> </a:t>
+            </a:r>
+            <a:r>
+              <a:rPr lang="en-US" b="1" dirty="0" err="1">
                 <a:latin typeface="Times New Roman" panose="02020603050405020304" pitchFamily="18" charset="0"/>
                 <a:cs typeface="Times New Roman" panose="02020603050405020304" pitchFamily="18" charset="0"/>
               </a:rPr>
               <a:t>adapte</a:t>
             </a:r>
             <a:r>
-              <a:rPr lang="en-US" dirty="0">
-                <a:latin typeface="Times New Roman" panose="02020603050405020304" pitchFamily="18" charset="0"/>
-                <a:cs typeface="Times New Roman" panose="02020603050405020304" pitchFamily="18" charset="0"/>
-              </a:rPr>
-              <a:t> </a:t>
-            </a:r>
-            <a:r>
-              <a:rPr lang="en-US" dirty="0" err="1">
+              <a:rPr lang="en-US" b="1" dirty="0">
+                <a:latin typeface="Times New Roman" panose="02020603050405020304" pitchFamily="18" charset="0"/>
+                <a:cs typeface="Times New Roman" panose="02020603050405020304" pitchFamily="18" charset="0"/>
+              </a:rPr>
+              <a:t> </a:t>
+            </a:r>
+            <a:r>
+              <a:rPr lang="en-US" b="1" dirty="0" err="1">
                 <a:latin typeface="Times New Roman" panose="02020603050405020304" pitchFamily="18" charset="0"/>
                 <a:cs typeface="Times New Roman" panose="02020603050405020304" pitchFamily="18" charset="0"/>
               </a:rPr>
               <a:t>olabilmesinde</a:t>
             </a:r>
             <a:r>
-              <a:rPr lang="tr-TR" dirty="0">
+              <a:rPr lang="tr-TR" b="1" dirty="0">
                 <a:latin typeface="Times New Roman" panose="02020603050405020304" pitchFamily="18" charset="0"/>
                 <a:cs typeface="Times New Roman" panose="02020603050405020304" pitchFamily="18" charset="0"/>
               </a:rPr>
@@ -10369,28 +10438,28 @@
               <a:t> </a:t>
             </a:r>
             <a:r>
-              <a:rPr lang="en-US" dirty="0" err="1">
+              <a:rPr lang="en-US" b="1" dirty="0" err="1">
                 <a:latin typeface="Times New Roman" panose="02020603050405020304" pitchFamily="18" charset="0"/>
                 <a:cs typeface="Times New Roman" panose="02020603050405020304" pitchFamily="18" charset="0"/>
               </a:rPr>
               <a:t>yazılım</a:t>
             </a:r>
             <a:r>
-              <a:rPr lang="en-US" dirty="0">
-                <a:latin typeface="Times New Roman" panose="02020603050405020304" pitchFamily="18" charset="0"/>
-                <a:cs typeface="Times New Roman" panose="02020603050405020304" pitchFamily="18" charset="0"/>
-              </a:rPr>
-              <a:t> </a:t>
-            </a:r>
-            <a:r>
-              <a:rPr lang="en-US" dirty="0" err="1">
+              <a:rPr lang="en-US" b="1" dirty="0">
+                <a:latin typeface="Times New Roman" panose="02020603050405020304" pitchFamily="18" charset="0"/>
+                <a:cs typeface="Times New Roman" panose="02020603050405020304" pitchFamily="18" charset="0"/>
+              </a:rPr>
+              <a:t> </a:t>
+            </a:r>
+            <a:r>
+              <a:rPr lang="en-US" b="1" dirty="0" err="1">
                 <a:latin typeface="Times New Roman" panose="02020603050405020304" pitchFamily="18" charset="0"/>
                 <a:cs typeface="Times New Roman" panose="02020603050405020304" pitchFamily="18" charset="0"/>
               </a:rPr>
               <a:t>evresinde</a:t>
             </a:r>
             <a:r>
-              <a:rPr lang="en-US" dirty="0">
+              <a:rPr lang="en-US" b="1" dirty="0">
                 <a:latin typeface="Times New Roman" panose="02020603050405020304" pitchFamily="18" charset="0"/>
                 <a:cs typeface="Times New Roman" panose="02020603050405020304" pitchFamily="18" charset="0"/>
               </a:rPr>
@@ -10529,28 +10598,28 @@
               <a:t> </a:t>
             </a:r>
             <a:r>
-              <a:rPr lang="en-US" dirty="0" err="1">
+              <a:rPr lang="en-US" b="1" dirty="0" err="1">
                 <a:latin typeface="Times New Roman" panose="02020603050405020304" pitchFamily="18" charset="0"/>
                 <a:cs typeface="Times New Roman" panose="02020603050405020304" pitchFamily="18" charset="0"/>
               </a:rPr>
               <a:t>önce</a:t>
             </a:r>
             <a:r>
-              <a:rPr lang="en-US" dirty="0">
-                <a:latin typeface="Times New Roman" panose="02020603050405020304" pitchFamily="18" charset="0"/>
-                <a:cs typeface="Times New Roman" panose="02020603050405020304" pitchFamily="18" charset="0"/>
-              </a:rPr>
-              <a:t> </a:t>
-            </a:r>
-            <a:r>
-              <a:rPr lang="en-US" dirty="0" err="1">
+              <a:rPr lang="en-US" b="1" dirty="0">
+                <a:latin typeface="Times New Roman" panose="02020603050405020304" pitchFamily="18" charset="0"/>
+                <a:cs typeface="Times New Roman" panose="02020603050405020304" pitchFamily="18" charset="0"/>
+              </a:rPr>
+              <a:t> </a:t>
+            </a:r>
+            <a:r>
+              <a:rPr lang="en-US" b="1" dirty="0" err="1">
                 <a:latin typeface="Times New Roman" panose="02020603050405020304" pitchFamily="18" charset="0"/>
                 <a:cs typeface="Times New Roman" panose="02020603050405020304" pitchFamily="18" charset="0"/>
               </a:rPr>
               <a:t>tasarlanıp</a:t>
             </a:r>
             <a:r>
-              <a:rPr lang="en-US" dirty="0">
+              <a:rPr lang="en-US" b="1" dirty="0">
                 <a:latin typeface="Times New Roman" panose="02020603050405020304" pitchFamily="18" charset="0"/>
                 <a:cs typeface="Times New Roman" panose="02020603050405020304" pitchFamily="18" charset="0"/>
               </a:rPr>
@@ -10585,7 +10654,7 @@
               <a:t> </a:t>
             </a:r>
             <a:r>
-              <a:rPr lang="en-US" dirty="0" err="1">
+              <a:rPr lang="en-US" b="1" dirty="0" err="1">
                 <a:latin typeface="Times New Roman" panose="02020603050405020304" pitchFamily="18" charset="0"/>
                 <a:cs typeface="Times New Roman" panose="02020603050405020304" pitchFamily="18" charset="0"/>
               </a:rPr>
@@ -10868,17 +10937,24 @@
                 <a:latin typeface="Times New Roman" panose="02020603050405020304" pitchFamily="18" charset="0"/>
                 <a:cs typeface="Times New Roman" panose="02020603050405020304" pitchFamily="18" charset="0"/>
               </a:rPr>
-              <a:t> ne </a:t>
-            </a:r>
-            <a:r>
-              <a:rPr lang="en-US" dirty="0" err="1">
+              <a:t> </a:t>
+            </a:r>
+            <a:r>
+              <a:rPr lang="en-US" b="1" dirty="0">
+                <a:latin typeface="Times New Roman" panose="02020603050405020304" pitchFamily="18" charset="0"/>
+                <a:cs typeface="Times New Roman" panose="02020603050405020304" pitchFamily="18" charset="0"/>
+              </a:rPr>
+              <a:t>ne </a:t>
+            </a:r>
+            <a:r>
+              <a:rPr lang="en-US" b="1" dirty="0" err="1">
                 <a:latin typeface="Times New Roman" panose="02020603050405020304" pitchFamily="18" charset="0"/>
                 <a:cs typeface="Times New Roman" panose="02020603050405020304" pitchFamily="18" charset="0"/>
               </a:rPr>
               <a:t>kadar</a:t>
             </a:r>
             <a:r>
-              <a:rPr lang="en-US" dirty="0">
+              <a:rPr lang="en-US" b="1" dirty="0">
                 <a:latin typeface="Times New Roman" panose="02020603050405020304" pitchFamily="18" charset="0"/>
                 <a:cs typeface="Times New Roman" panose="02020603050405020304" pitchFamily="18" charset="0"/>
               </a:rPr>
@@ -10961,21 +11037,21 @@
               <a:t> </a:t>
             </a:r>
             <a:r>
-              <a:rPr lang="en-US" dirty="0" err="1">
+              <a:rPr lang="en-US" b="1" dirty="0" err="1">
                 <a:latin typeface="Times New Roman" panose="02020603050405020304" pitchFamily="18" charset="0"/>
                 <a:cs typeface="Times New Roman" panose="02020603050405020304" pitchFamily="18" charset="0"/>
               </a:rPr>
               <a:t>birlikte</a:t>
             </a:r>
             <a:r>
-              <a:rPr lang="en-US" dirty="0">
-                <a:latin typeface="Times New Roman" panose="02020603050405020304" pitchFamily="18" charset="0"/>
-                <a:cs typeface="Times New Roman" panose="02020603050405020304" pitchFamily="18" charset="0"/>
-              </a:rPr>
-              <a:t> </a:t>
-            </a:r>
-            <a:r>
-              <a:rPr lang="en-US" dirty="0" err="1">
+              <a:rPr lang="en-US" b="1" dirty="0">
+                <a:latin typeface="Times New Roman" panose="02020603050405020304" pitchFamily="18" charset="0"/>
+                <a:cs typeface="Times New Roman" panose="02020603050405020304" pitchFamily="18" charset="0"/>
+              </a:rPr>
+              <a:t> </a:t>
+            </a:r>
+            <a:r>
+              <a:rPr lang="en-US" b="1" dirty="0" err="1">
                 <a:latin typeface="Times New Roman" panose="02020603050405020304" pitchFamily="18" charset="0"/>
                 <a:cs typeface="Times New Roman" panose="02020603050405020304" pitchFamily="18" charset="0"/>
               </a:rPr>
@@ -11031,42 +11107,42 @@
               <a:t>, </a:t>
             </a:r>
             <a:r>
-              <a:rPr lang="en-US" dirty="0" err="1">
+              <a:rPr lang="en-US" b="1" dirty="0" err="1">
                 <a:latin typeface="Times New Roman" panose="02020603050405020304" pitchFamily="18" charset="0"/>
                 <a:cs typeface="Times New Roman" panose="02020603050405020304" pitchFamily="18" charset="0"/>
               </a:rPr>
               <a:t>sağlam</a:t>
             </a:r>
             <a:r>
-              <a:rPr lang="en-US" dirty="0">
-                <a:latin typeface="Times New Roman" panose="02020603050405020304" pitchFamily="18" charset="0"/>
-                <a:cs typeface="Times New Roman" panose="02020603050405020304" pitchFamily="18" charset="0"/>
-              </a:rPr>
-              <a:t> </a:t>
-            </a:r>
-            <a:r>
-              <a:rPr lang="en-US" dirty="0" err="1">
+              <a:rPr lang="en-US" b="1" dirty="0">
+                <a:latin typeface="Times New Roman" panose="02020603050405020304" pitchFamily="18" charset="0"/>
+                <a:cs typeface="Times New Roman" panose="02020603050405020304" pitchFamily="18" charset="0"/>
+              </a:rPr>
+              <a:t> </a:t>
+            </a:r>
+            <a:r>
+              <a:rPr lang="en-US" b="1" dirty="0" err="1">
                 <a:latin typeface="Times New Roman" panose="02020603050405020304" pitchFamily="18" charset="0"/>
                 <a:cs typeface="Times New Roman" panose="02020603050405020304" pitchFamily="18" charset="0"/>
               </a:rPr>
               <a:t>iletişim</a:t>
             </a:r>
             <a:r>
-              <a:rPr lang="tr-TR" dirty="0">
-                <a:latin typeface="Times New Roman" panose="02020603050405020304" pitchFamily="18" charset="0"/>
-                <a:cs typeface="Times New Roman" panose="02020603050405020304" pitchFamily="18" charset="0"/>
-              </a:rPr>
-              <a:t> </a:t>
-            </a:r>
-            <a:r>
-              <a:rPr lang="en-US" dirty="0" err="1">
+              <a:rPr lang="tr-TR" b="1" dirty="0">
+                <a:latin typeface="Times New Roman" panose="02020603050405020304" pitchFamily="18" charset="0"/>
+                <a:cs typeface="Times New Roman" panose="02020603050405020304" pitchFamily="18" charset="0"/>
+              </a:rPr>
+              <a:t> </a:t>
+            </a:r>
+            <a:r>
+              <a:rPr lang="en-US" b="1" dirty="0" err="1">
                 <a:latin typeface="Times New Roman" panose="02020603050405020304" pitchFamily="18" charset="0"/>
                 <a:cs typeface="Times New Roman" panose="02020603050405020304" pitchFamily="18" charset="0"/>
               </a:rPr>
               <a:t>kurmak</a:t>
             </a:r>
             <a:r>
-              <a:rPr lang="en-US" dirty="0">
+              <a:rPr lang="en-US" b="1" dirty="0">
                 <a:latin typeface="Times New Roman" panose="02020603050405020304" pitchFamily="18" charset="0"/>
                 <a:cs typeface="Times New Roman" panose="02020603050405020304" pitchFamily="18" charset="0"/>
               </a:rPr>
@@ -11715,7 +11791,7 @@
           </a:bodyPr>
           <a:lstStyle/>
           <a:p>
-            <a:pPr>
+            <a:pPr algn="just">
               <a:buFont typeface="Wingdings" panose="05000000000000000000" pitchFamily="2" charset="2"/>
               <a:buChar char="Ø"/>
             </a:pPr>
@@ -11817,7 +11893,7 @@
             </a:r>
           </a:p>
           <a:p>
-            <a:pPr>
+            <a:pPr algn="just">
               <a:buFont typeface="Wingdings" panose="05000000000000000000" pitchFamily="2" charset="2"/>
               <a:buChar char="Ø"/>
             </a:pPr>
@@ -11867,10 +11943,14 @@
             </a:r>
             <a:r>
               <a:rPr lang="en-US" dirty="0"/>
-              <a:t> 2 tip model</a:t>
-            </a:r>
-            <a:r>
-              <a:rPr lang="tr-TR" dirty="0"/>
+              <a:t> </a:t>
+            </a:r>
+            <a:r>
+              <a:rPr lang="en-US" b="1" dirty="0"/>
+              <a:t>2 tip model</a:t>
+            </a:r>
+            <a:r>
+              <a:rPr lang="tr-TR" b="1" dirty="0"/>
               <a:t> </a:t>
             </a:r>
             <a:r>
@@ -11892,7 +11972,7 @@
               <a:t>Biri </a:t>
             </a:r>
             <a:r>
-              <a:rPr lang="en-US" dirty="0" err="1">
+              <a:rPr lang="en-US" b="1" dirty="0" err="1">
                 <a:solidFill>
                   <a:schemeClr val="accent1">
                     <a:lumMod val="75000"/>
@@ -11972,7 +12052,7 @@
               <a:t> de </a:t>
             </a:r>
             <a:r>
-              <a:rPr lang="en-US" dirty="0" err="1">
+              <a:rPr lang="en-US" b="1" dirty="0" err="1">
                 <a:solidFill>
                   <a:schemeClr val="accent1">
                     <a:lumMod val="75000"/>
@@ -11992,7 +12072,7 @@
               <a:t> </a:t>
             </a:r>
             <a:r>
-              <a:rPr lang="en-US" dirty="0" err="1">
+              <a:rPr lang="en-US" b="1" dirty="0" err="1">
                 <a:solidFill>
                   <a:schemeClr val="accent1">
                     <a:lumMod val="75000"/>
@@ -12021,7 +12101,7 @@
             </a:r>
           </a:p>
           <a:p>
-            <a:pPr>
+            <a:pPr algn="just">
               <a:buFont typeface="Wingdings" panose="05000000000000000000" pitchFamily="2" charset="2"/>
               <a:buChar char="Ø"/>
             </a:pPr>
@@ -12082,15 +12162,15 @@
               <a:t> </a:t>
             </a:r>
             <a:r>
-              <a:rPr lang="en-US" dirty="0" err="1"/>
+              <a:rPr lang="en-US" b="1" dirty="0" err="1"/>
               <a:t>gereksinimleri</a:t>
             </a:r>
             <a:r>
-              <a:rPr lang="en-US" dirty="0"/>
-              <a:t> </a:t>
-            </a:r>
-            <a:r>
-              <a:rPr lang="en-US" dirty="0" err="1"/>
+              <a:rPr lang="en-US" b="1" dirty="0"/>
+              <a:t> </a:t>
+            </a:r>
+            <a:r>
+              <a:rPr lang="en-US" b="1" dirty="0" err="1"/>
               <a:t>değişirse</a:t>
             </a:r>
             <a:r>
@@ -12098,63 +12178,63 @@
               <a:t>, </a:t>
             </a:r>
             <a:r>
-              <a:rPr lang="en-US" dirty="0" err="1"/>
+              <a:rPr lang="en-US" b="1" dirty="0" err="1"/>
               <a:t>projenin</a:t>
             </a:r>
             <a:r>
-              <a:rPr lang="en-US" dirty="0"/>
-              <a:t> </a:t>
-            </a:r>
-            <a:r>
-              <a:rPr lang="en-US" dirty="0" err="1"/>
+              <a:rPr lang="en-US" b="1" dirty="0"/>
+              <a:t> </a:t>
+            </a:r>
+            <a:r>
+              <a:rPr lang="en-US" b="1" dirty="0" err="1"/>
               <a:t>takımı</a:t>
             </a:r>
             <a:r>
-              <a:rPr lang="en-US" dirty="0"/>
+              <a:rPr lang="en-US" b="1" dirty="0"/>
               <a:t> da </a:t>
             </a:r>
             <a:r>
-              <a:rPr lang="en-US" dirty="0" err="1"/>
+              <a:rPr lang="en-US" b="1" dirty="0" err="1"/>
               <a:t>bu</a:t>
             </a:r>
             <a:r>
-              <a:rPr lang="en-US" dirty="0"/>
-              <a:t> </a:t>
-            </a:r>
-            <a:r>
-              <a:rPr lang="en-US" dirty="0" err="1"/>
+              <a:rPr lang="en-US" b="1" dirty="0"/>
+              <a:t> </a:t>
+            </a:r>
+            <a:r>
+              <a:rPr lang="en-US" b="1" dirty="0" err="1"/>
               <a:t>değişikliğe</a:t>
             </a:r>
             <a:r>
-              <a:rPr lang="en-US" dirty="0"/>
-              <a:t> </a:t>
-            </a:r>
-            <a:r>
-              <a:rPr lang="en-US" dirty="0" err="1"/>
+              <a:rPr lang="en-US" b="1" dirty="0"/>
+              <a:t> </a:t>
+            </a:r>
+            <a:r>
+              <a:rPr lang="en-US" b="1" dirty="0" err="1"/>
               <a:t>ayak</a:t>
             </a:r>
             <a:r>
-              <a:rPr lang="en-US" dirty="0"/>
-              <a:t> </a:t>
-            </a:r>
-            <a:r>
-              <a:rPr lang="en-US" dirty="0" err="1"/>
+              <a:rPr lang="en-US" b="1" dirty="0"/>
+              <a:t> </a:t>
+            </a:r>
+            <a:r>
+              <a:rPr lang="en-US" b="1" dirty="0" err="1"/>
               <a:t>uydurur</a:t>
             </a:r>
             <a:r>
-              <a:rPr lang="en-US" dirty="0"/>
-              <a:t> </a:t>
-            </a:r>
-            <a:r>
-              <a:rPr lang="en-US" dirty="0" err="1"/>
+              <a:rPr lang="en-US" b="1" dirty="0"/>
+              <a:t> </a:t>
+            </a:r>
+            <a:r>
+              <a:rPr lang="en-US" b="1" dirty="0" err="1"/>
               <a:t>ve</a:t>
             </a:r>
             <a:r>
-              <a:rPr lang="tr-TR" dirty="0"/>
-              <a:t> </a:t>
-            </a:r>
-            <a:r>
-              <a:rPr lang="en-US" dirty="0" err="1"/>
+              <a:rPr lang="tr-TR" b="1" dirty="0"/>
+              <a:t> </a:t>
+            </a:r>
+            <a:r>
+              <a:rPr lang="en-US" b="1" dirty="0" err="1"/>
               <a:t>değişir</a:t>
             </a:r>
             <a:r>
@@ -12163,7 +12243,7 @@
             </a:r>
           </a:p>
           <a:p>
-            <a:pPr>
+            <a:pPr algn="just">
               <a:buFont typeface="Wingdings" panose="05000000000000000000" pitchFamily="2" charset="2"/>
               <a:buChar char="Ø"/>
             </a:pPr>
@@ -12485,25 +12565,18 @@
               <a:buChar char="Ø"/>
             </a:pPr>
             <a:r>
-              <a:rPr lang="en-US" dirty="0" err="1">
-                <a:latin typeface="Times New Roman" panose="02020603050405020304" pitchFamily="18" charset="0"/>
-                <a:cs typeface="Times New Roman" panose="02020603050405020304" pitchFamily="18" charset="0"/>
-              </a:rPr>
-              <a:t>Yani</a:t>
-            </a:r>
-            <a:r>
-              <a:rPr lang="en-US" dirty="0">
-                <a:latin typeface="Times New Roman" panose="02020603050405020304" pitchFamily="18" charset="0"/>
-                <a:cs typeface="Times New Roman" panose="02020603050405020304" pitchFamily="18" charset="0"/>
-              </a:rPr>
-              <a:t> </a:t>
-            </a:r>
-            <a:r>
-              <a:rPr lang="en-US" dirty="0" err="1">
-                <a:latin typeface="Times New Roman" panose="02020603050405020304" pitchFamily="18" charset="0"/>
-                <a:cs typeface="Times New Roman" panose="02020603050405020304" pitchFamily="18" charset="0"/>
-              </a:rPr>
-              <a:t>projede</a:t>
+              <a:rPr lang="tr-TR" dirty="0">
+                <a:latin typeface="Times New Roman" panose="02020603050405020304" pitchFamily="18" charset="0"/>
+                <a:cs typeface="Times New Roman" panose="02020603050405020304" pitchFamily="18" charset="0"/>
+              </a:rPr>
+              <a:t>P</a:t>
+            </a:r>
+            <a:r>
+              <a:rPr lang="en-US" dirty="0" err="1">
+                <a:latin typeface="Times New Roman" panose="02020603050405020304" pitchFamily="18" charset="0"/>
+                <a:cs typeface="Times New Roman" panose="02020603050405020304" pitchFamily="18" charset="0"/>
+              </a:rPr>
+              <a:t>rojede</a:t>
             </a:r>
             <a:r>
               <a:rPr lang="en-US" dirty="0">
@@ -12527,7 +12600,7 @@
               <a:t> </a:t>
             </a:r>
             <a:r>
-              <a:rPr lang="en-US" dirty="0" err="1">
+              <a:rPr lang="en-US" b="1" dirty="0" err="1">
                 <a:latin typeface="Times New Roman" panose="02020603050405020304" pitchFamily="18" charset="0"/>
                 <a:cs typeface="Times New Roman" panose="02020603050405020304" pitchFamily="18" charset="0"/>
               </a:rPr>
@@ -13043,35 +13116,35 @@
               <a:t> </a:t>
             </a:r>
             <a:r>
-              <a:rPr lang="en-US" dirty="0" err="1">
+              <a:rPr lang="en-US" b="1" dirty="0" err="1">
                 <a:latin typeface="Times New Roman" panose="02020603050405020304" pitchFamily="18" charset="0"/>
                 <a:cs typeface="Times New Roman" panose="02020603050405020304" pitchFamily="18" charset="0"/>
               </a:rPr>
               <a:t>yeni</a:t>
             </a:r>
             <a:r>
-              <a:rPr lang="en-US" dirty="0">
-                <a:latin typeface="Times New Roman" panose="02020603050405020304" pitchFamily="18" charset="0"/>
-                <a:cs typeface="Times New Roman" panose="02020603050405020304" pitchFamily="18" charset="0"/>
-              </a:rPr>
-              <a:t> </a:t>
-            </a:r>
-            <a:r>
-              <a:rPr lang="en-US" dirty="0" err="1">
+              <a:rPr lang="en-US" b="1" dirty="0">
+                <a:latin typeface="Times New Roman" panose="02020603050405020304" pitchFamily="18" charset="0"/>
+                <a:cs typeface="Times New Roman" panose="02020603050405020304" pitchFamily="18" charset="0"/>
+              </a:rPr>
+              <a:t> </a:t>
+            </a:r>
+            <a:r>
+              <a:rPr lang="en-US" b="1" dirty="0" err="1">
                 <a:latin typeface="Times New Roman" panose="02020603050405020304" pitchFamily="18" charset="0"/>
                 <a:cs typeface="Times New Roman" panose="02020603050405020304" pitchFamily="18" charset="0"/>
               </a:rPr>
               <a:t>bir</a:t>
             </a:r>
             <a:r>
-              <a:rPr lang="en-US" dirty="0">
+              <a:rPr lang="en-US" b="1" dirty="0">
                 <a:latin typeface="Times New Roman" panose="02020603050405020304" pitchFamily="18" charset="0"/>
                 <a:cs typeface="Times New Roman" panose="02020603050405020304" pitchFamily="18" charset="0"/>
               </a:rPr>
               <a:t> program </a:t>
             </a:r>
             <a:r>
-              <a:rPr lang="en-US" dirty="0" err="1">
+              <a:rPr lang="en-US" b="1" dirty="0" err="1">
                 <a:latin typeface="Times New Roman" panose="02020603050405020304" pitchFamily="18" charset="0"/>
                 <a:cs typeface="Times New Roman" panose="02020603050405020304" pitchFamily="18" charset="0"/>
               </a:rPr>
@@ -13217,35 +13290,35 @@
               <a:t> </a:t>
             </a:r>
             <a:r>
-              <a:rPr lang="en-US" dirty="0" err="1">
+              <a:rPr lang="en-US" b="1" dirty="0" err="1">
                 <a:latin typeface="Times New Roman" panose="02020603050405020304" pitchFamily="18" charset="0"/>
                 <a:cs typeface="Times New Roman" panose="02020603050405020304" pitchFamily="18" charset="0"/>
               </a:rPr>
               <a:t>projeye</a:t>
             </a:r>
             <a:r>
-              <a:rPr lang="en-US" dirty="0">
-                <a:latin typeface="Times New Roman" panose="02020603050405020304" pitchFamily="18" charset="0"/>
-                <a:cs typeface="Times New Roman" panose="02020603050405020304" pitchFamily="18" charset="0"/>
-              </a:rPr>
-              <a:t> </a:t>
-            </a:r>
-            <a:r>
-              <a:rPr lang="en-US" dirty="0" err="1">
+              <a:rPr lang="en-US" b="1" dirty="0">
+                <a:latin typeface="Times New Roman" panose="02020603050405020304" pitchFamily="18" charset="0"/>
+                <a:cs typeface="Times New Roman" panose="02020603050405020304" pitchFamily="18" charset="0"/>
+              </a:rPr>
+              <a:t> </a:t>
+            </a:r>
+            <a:r>
+              <a:rPr lang="en-US" b="1" dirty="0" err="1">
                 <a:latin typeface="Times New Roman" panose="02020603050405020304" pitchFamily="18" charset="0"/>
                 <a:cs typeface="Times New Roman" panose="02020603050405020304" pitchFamily="18" charset="0"/>
               </a:rPr>
               <a:t>dahil</a:t>
             </a:r>
             <a:r>
-              <a:rPr lang="tr-TR" dirty="0">
-                <a:latin typeface="Times New Roman" panose="02020603050405020304" pitchFamily="18" charset="0"/>
-                <a:cs typeface="Times New Roman" panose="02020603050405020304" pitchFamily="18" charset="0"/>
-              </a:rPr>
-              <a:t> </a:t>
-            </a:r>
-            <a:r>
-              <a:rPr lang="en-US" dirty="0" err="1">
+              <a:rPr lang="tr-TR" b="1" dirty="0">
+                <a:latin typeface="Times New Roman" panose="02020603050405020304" pitchFamily="18" charset="0"/>
+                <a:cs typeface="Times New Roman" panose="02020603050405020304" pitchFamily="18" charset="0"/>
+              </a:rPr>
+              <a:t> </a:t>
+            </a:r>
+            <a:r>
+              <a:rPr lang="en-US" b="1" dirty="0" err="1">
                 <a:latin typeface="Times New Roman" panose="02020603050405020304" pitchFamily="18" charset="0"/>
                 <a:cs typeface="Times New Roman" panose="02020603050405020304" pitchFamily="18" charset="0"/>
               </a:rPr>
@@ -13266,6 +13339,9 @@
             </a:pPr>
             <a:r>
               <a:rPr lang="en-US" dirty="0" err="1">
+                <a:solidFill>
+                  <a:srgbClr val="FF0000"/>
+                </a:solidFill>
                 <a:latin typeface="Times New Roman" panose="02020603050405020304" pitchFamily="18" charset="0"/>
                 <a:cs typeface="Times New Roman" panose="02020603050405020304" pitchFamily="18" charset="0"/>
               </a:rPr>
@@ -13273,13 +13349,19 @@
             </a:r>
             <a:r>
               <a:rPr lang="en-US" dirty="0">
-                <a:latin typeface="Times New Roman" panose="02020603050405020304" pitchFamily="18" charset="0"/>
-                <a:cs typeface="Times New Roman" panose="02020603050405020304" pitchFamily="18" charset="0"/>
-              </a:rPr>
-              <a:t> </a:t>
-            </a:r>
-            <a:r>
-              <a:rPr lang="en-US" dirty="0" err="1">
+                <a:solidFill>
+                  <a:srgbClr val="FF0000"/>
+                </a:solidFill>
+                <a:latin typeface="Times New Roman" panose="02020603050405020304" pitchFamily="18" charset="0"/>
+                <a:cs typeface="Times New Roman" panose="02020603050405020304" pitchFamily="18" charset="0"/>
+              </a:rPr>
+              <a:t> </a:t>
+            </a:r>
+            <a:r>
+              <a:rPr lang="en-US" dirty="0" err="1">
+                <a:solidFill>
+                  <a:srgbClr val="FF0000"/>
+                </a:solidFill>
                 <a:latin typeface="Times New Roman" panose="02020603050405020304" pitchFamily="18" charset="0"/>
                 <a:cs typeface="Times New Roman" panose="02020603050405020304" pitchFamily="18" charset="0"/>
               </a:rPr>
@@ -13287,13 +13369,19 @@
             </a:r>
             <a:r>
               <a:rPr lang="en-US" dirty="0">
-                <a:latin typeface="Times New Roman" panose="02020603050405020304" pitchFamily="18" charset="0"/>
-                <a:cs typeface="Times New Roman" panose="02020603050405020304" pitchFamily="18" charset="0"/>
-              </a:rPr>
-              <a:t> </a:t>
-            </a:r>
-            <a:r>
-              <a:rPr lang="en-US" dirty="0" err="1">
+                <a:solidFill>
+                  <a:srgbClr val="FF0000"/>
+                </a:solidFill>
+                <a:latin typeface="Times New Roman" panose="02020603050405020304" pitchFamily="18" charset="0"/>
+                <a:cs typeface="Times New Roman" panose="02020603050405020304" pitchFamily="18" charset="0"/>
+              </a:rPr>
+              <a:t> </a:t>
+            </a:r>
+            <a:r>
+              <a:rPr lang="en-US" b="1" dirty="0" err="1">
+                <a:solidFill>
+                  <a:srgbClr val="FF0000"/>
+                </a:solidFill>
                 <a:latin typeface="Times New Roman" panose="02020603050405020304" pitchFamily="18" charset="0"/>
                 <a:cs typeface="Times New Roman" panose="02020603050405020304" pitchFamily="18" charset="0"/>
               </a:rPr>
@@ -13301,13 +13389,19 @@
             </a:r>
             <a:r>
               <a:rPr lang="en-US" dirty="0">
-                <a:latin typeface="Times New Roman" panose="02020603050405020304" pitchFamily="18" charset="0"/>
-                <a:cs typeface="Times New Roman" panose="02020603050405020304" pitchFamily="18" charset="0"/>
-              </a:rPr>
-              <a:t> </a:t>
-            </a:r>
-            <a:r>
-              <a:rPr lang="en-US" dirty="0" err="1">
+                <a:solidFill>
+                  <a:srgbClr val="FF0000"/>
+                </a:solidFill>
+                <a:latin typeface="Times New Roman" panose="02020603050405020304" pitchFamily="18" charset="0"/>
+                <a:cs typeface="Times New Roman" panose="02020603050405020304" pitchFamily="18" charset="0"/>
+              </a:rPr>
+              <a:t> </a:t>
+            </a:r>
+            <a:r>
+              <a:rPr lang="en-US" dirty="0" err="1">
+                <a:solidFill>
+                  <a:srgbClr val="FF0000"/>
+                </a:solidFill>
                 <a:latin typeface="Times New Roman" panose="02020603050405020304" pitchFamily="18" charset="0"/>
                 <a:cs typeface="Times New Roman" panose="02020603050405020304" pitchFamily="18" charset="0"/>
               </a:rPr>
@@ -13315,13 +13409,19 @@
             </a:r>
             <a:r>
               <a:rPr lang="en-US" dirty="0">
-                <a:latin typeface="Times New Roman" panose="02020603050405020304" pitchFamily="18" charset="0"/>
-                <a:cs typeface="Times New Roman" panose="02020603050405020304" pitchFamily="18" charset="0"/>
-              </a:rPr>
-              <a:t> </a:t>
-            </a:r>
-            <a:r>
-              <a:rPr lang="en-US" dirty="0" err="1">
+                <a:solidFill>
+                  <a:srgbClr val="FF0000"/>
+                </a:solidFill>
+                <a:latin typeface="Times New Roman" panose="02020603050405020304" pitchFamily="18" charset="0"/>
+                <a:cs typeface="Times New Roman" panose="02020603050405020304" pitchFamily="18" charset="0"/>
+              </a:rPr>
+              <a:t> </a:t>
+            </a:r>
+            <a:r>
+              <a:rPr lang="en-US" dirty="0" err="1">
+                <a:solidFill>
+                  <a:srgbClr val="FF0000"/>
+                </a:solidFill>
                 <a:latin typeface="Times New Roman" panose="02020603050405020304" pitchFamily="18" charset="0"/>
                 <a:cs typeface="Times New Roman" panose="02020603050405020304" pitchFamily="18" charset="0"/>
               </a:rPr>
@@ -13329,6 +13429,9 @@
             </a:r>
             <a:r>
               <a:rPr lang="en-US" dirty="0">
+                <a:solidFill>
+                  <a:srgbClr val="FF0000"/>
+                </a:solidFill>
                 <a:latin typeface="Times New Roman" panose="02020603050405020304" pitchFamily="18" charset="0"/>
                 <a:cs typeface="Times New Roman" panose="02020603050405020304" pitchFamily="18" charset="0"/>
               </a:rPr>
@@ -13355,49 +13458,49 @@
               <a:t> </a:t>
             </a:r>
             <a:r>
-              <a:rPr lang="en-US" dirty="0" err="1">
+              <a:rPr lang="en-US" b="1" dirty="0" err="1">
                 <a:latin typeface="Times New Roman" panose="02020603050405020304" pitchFamily="18" charset="0"/>
                 <a:cs typeface="Times New Roman" panose="02020603050405020304" pitchFamily="18" charset="0"/>
               </a:rPr>
               <a:t>değişime</a:t>
             </a:r>
             <a:r>
-              <a:rPr lang="en-US" dirty="0">
-                <a:latin typeface="Times New Roman" panose="02020603050405020304" pitchFamily="18" charset="0"/>
-                <a:cs typeface="Times New Roman" panose="02020603050405020304" pitchFamily="18" charset="0"/>
-              </a:rPr>
-              <a:t> </a:t>
-            </a:r>
-            <a:r>
-              <a:rPr lang="en-US" dirty="0" err="1">
+              <a:rPr lang="en-US" b="1" dirty="0">
+                <a:latin typeface="Times New Roman" panose="02020603050405020304" pitchFamily="18" charset="0"/>
+                <a:cs typeface="Times New Roman" panose="02020603050405020304" pitchFamily="18" charset="0"/>
+              </a:rPr>
+              <a:t> </a:t>
+            </a:r>
+            <a:r>
+              <a:rPr lang="en-US" b="1" dirty="0" err="1">
                 <a:latin typeface="Times New Roman" panose="02020603050405020304" pitchFamily="18" charset="0"/>
                 <a:cs typeface="Times New Roman" panose="02020603050405020304" pitchFamily="18" charset="0"/>
               </a:rPr>
               <a:t>açıktır</a:t>
             </a:r>
             <a:r>
-              <a:rPr lang="en-US" dirty="0">
-                <a:latin typeface="Times New Roman" panose="02020603050405020304" pitchFamily="18" charset="0"/>
-                <a:cs typeface="Times New Roman" panose="02020603050405020304" pitchFamily="18" charset="0"/>
-              </a:rPr>
-              <a:t> </a:t>
-            </a:r>
-            <a:r>
-              <a:rPr lang="en-US" dirty="0" err="1">
+              <a:rPr lang="en-US" b="1" dirty="0">
+                <a:latin typeface="Times New Roman" panose="02020603050405020304" pitchFamily="18" charset="0"/>
+                <a:cs typeface="Times New Roman" panose="02020603050405020304" pitchFamily="18" charset="0"/>
+              </a:rPr>
+              <a:t> </a:t>
+            </a:r>
+            <a:r>
+              <a:rPr lang="en-US" b="1" dirty="0" err="1">
                 <a:latin typeface="Times New Roman" panose="02020603050405020304" pitchFamily="18" charset="0"/>
                 <a:cs typeface="Times New Roman" panose="02020603050405020304" pitchFamily="18" charset="0"/>
               </a:rPr>
               <a:t>ve</a:t>
             </a:r>
             <a:r>
-              <a:rPr lang="en-US" dirty="0">
-                <a:latin typeface="Times New Roman" panose="02020603050405020304" pitchFamily="18" charset="0"/>
-                <a:cs typeface="Times New Roman" panose="02020603050405020304" pitchFamily="18" charset="0"/>
-              </a:rPr>
-              <a:t> </a:t>
-            </a:r>
-            <a:r>
-              <a:rPr lang="en-US" dirty="0" err="1">
+              <a:rPr lang="en-US" b="1" dirty="0">
+                <a:latin typeface="Times New Roman" panose="02020603050405020304" pitchFamily="18" charset="0"/>
+                <a:cs typeface="Times New Roman" panose="02020603050405020304" pitchFamily="18" charset="0"/>
+              </a:rPr>
+              <a:t> </a:t>
+            </a:r>
+            <a:r>
+              <a:rPr lang="en-US" b="1" dirty="0" err="1">
                 <a:latin typeface="Times New Roman" panose="02020603050405020304" pitchFamily="18" charset="0"/>
                 <a:cs typeface="Times New Roman" panose="02020603050405020304" pitchFamily="18" charset="0"/>
               </a:rPr>
@@ -13569,6 +13672,13 @@
                 <a:cs typeface="Times New Roman" panose="02020603050405020304" pitchFamily="18" charset="0"/>
               </a:rPr>
               <a:t> </a:t>
+            </a:r>
+            <a:r>
+              <a:rPr lang="tr-TR" dirty="0">
+                <a:latin typeface="Times New Roman" panose="02020603050405020304" pitchFamily="18" charset="0"/>
+                <a:cs typeface="Times New Roman" panose="02020603050405020304" pitchFamily="18" charset="0"/>
+              </a:rPr>
+              <a:t>g</a:t>
             </a:r>
             <a:r>
               <a:rPr lang="en-US" dirty="0" err="1">
@@ -13971,46 +14081,53 @@
               <a:t> </a:t>
             </a:r>
             <a:r>
-              <a:rPr lang="en-US" dirty="0" err="1">
+              <a:rPr lang="en-US" b="1" dirty="0" err="1">
                 <a:latin typeface="Times New Roman" panose="02020603050405020304" pitchFamily="18" charset="0"/>
                 <a:cs typeface="Times New Roman" panose="02020603050405020304" pitchFamily="18" charset="0"/>
               </a:rPr>
               <a:t>yinelemeli</a:t>
             </a:r>
             <a:r>
-              <a:rPr lang="en-US" dirty="0">
-                <a:latin typeface="Times New Roman" panose="02020603050405020304" pitchFamily="18" charset="0"/>
-                <a:cs typeface="Times New Roman" panose="02020603050405020304" pitchFamily="18" charset="0"/>
-              </a:rPr>
-              <a:t> </a:t>
-            </a:r>
-            <a:r>
-              <a:rPr lang="en-US" dirty="0" err="1">
+              <a:rPr lang="en-US" b="1" dirty="0">
+                <a:latin typeface="Times New Roman" panose="02020603050405020304" pitchFamily="18" charset="0"/>
+                <a:cs typeface="Times New Roman" panose="02020603050405020304" pitchFamily="18" charset="0"/>
+              </a:rPr>
+              <a:t> </a:t>
+            </a:r>
+            <a:r>
+              <a:rPr lang="en-US" b="1" dirty="0" err="1">
                 <a:latin typeface="Times New Roman" panose="02020603050405020304" pitchFamily="18" charset="0"/>
                 <a:cs typeface="Times New Roman" panose="02020603050405020304" pitchFamily="18" charset="0"/>
               </a:rPr>
               <a:t>geliştirme</a:t>
             </a:r>
             <a:r>
-              <a:rPr lang="en-US" dirty="0">
-                <a:latin typeface="Times New Roman" panose="02020603050405020304" pitchFamily="18" charset="0"/>
-                <a:cs typeface="Times New Roman" panose="02020603050405020304" pitchFamily="18" charset="0"/>
-              </a:rPr>
-              <a:t> </a:t>
-            </a:r>
-            <a:r>
-              <a:rPr lang="en-US" dirty="0" err="1">
+              <a:rPr lang="en-US" b="1" dirty="0">
+                <a:latin typeface="Times New Roman" panose="02020603050405020304" pitchFamily="18" charset="0"/>
+                <a:cs typeface="Times New Roman" panose="02020603050405020304" pitchFamily="18" charset="0"/>
+              </a:rPr>
+              <a:t> </a:t>
+            </a:r>
+            <a:r>
+              <a:rPr lang="en-US" b="1" dirty="0" err="1">
                 <a:latin typeface="Times New Roman" panose="02020603050405020304" pitchFamily="18" charset="0"/>
                 <a:cs typeface="Times New Roman" panose="02020603050405020304" pitchFamily="18" charset="0"/>
               </a:rPr>
               <a:t>modellerin</a:t>
             </a:r>
             <a:r>
-              <a:rPr lang="en-US" dirty="0">
-                <a:latin typeface="Times New Roman" panose="02020603050405020304" pitchFamily="18" charset="0"/>
-                <a:cs typeface="Times New Roman" panose="02020603050405020304" pitchFamily="18" charset="0"/>
-              </a:rPr>
-              <a:t> (iterative development models)</a:t>
+              <a:rPr lang="en-US" b="1" dirty="0">
+                <a:latin typeface="Times New Roman" panose="02020603050405020304" pitchFamily="18" charset="0"/>
+                <a:cs typeface="Times New Roman" panose="02020603050405020304" pitchFamily="18" charset="0"/>
+              </a:rPr>
+              <a:t> </a:t>
+            </a:r>
+            <a:r>
+              <a:rPr lang="en-US" dirty="0">
+                <a:latin typeface="Times New Roman" panose="02020603050405020304" pitchFamily="18" charset="0"/>
+                <a:cs typeface="Times New Roman" panose="02020603050405020304" pitchFamily="18" charset="0"/>
+              </a:rPr>
+              <a:t>(iterative development models)</a:t>
             </a:r>
             <a:r>
               <a:rPr lang="tr-TR" dirty="0">
@@ -14069,91 +14186,91 @@
               <a:t>, </a:t>
             </a:r>
             <a:r>
-              <a:rPr lang="en-US" dirty="0" err="1">
+              <a:rPr lang="en-US" b="1" dirty="0" err="1">
                 <a:latin typeface="Times New Roman" panose="02020603050405020304" pitchFamily="18" charset="0"/>
                 <a:cs typeface="Times New Roman" panose="02020603050405020304" pitchFamily="18" charset="0"/>
               </a:rPr>
               <a:t>çevik</a:t>
             </a:r>
             <a:r>
-              <a:rPr lang="en-US" dirty="0">
-                <a:latin typeface="Times New Roman" panose="02020603050405020304" pitchFamily="18" charset="0"/>
-                <a:cs typeface="Times New Roman" panose="02020603050405020304" pitchFamily="18" charset="0"/>
-              </a:rPr>
-              <a:t> </a:t>
-            </a:r>
-            <a:r>
-              <a:rPr lang="en-US" dirty="0" err="1">
+              <a:rPr lang="en-US" b="1" dirty="0">
+                <a:latin typeface="Times New Roman" panose="02020603050405020304" pitchFamily="18" charset="0"/>
+                <a:cs typeface="Times New Roman" panose="02020603050405020304" pitchFamily="18" charset="0"/>
+              </a:rPr>
+              <a:t> </a:t>
+            </a:r>
+            <a:r>
+              <a:rPr lang="en-US" b="1" dirty="0" err="1">
                 <a:latin typeface="Times New Roman" panose="02020603050405020304" pitchFamily="18" charset="0"/>
                 <a:cs typeface="Times New Roman" panose="02020603050405020304" pitchFamily="18" charset="0"/>
               </a:rPr>
               <a:t>modellerde</a:t>
             </a:r>
             <a:r>
-              <a:rPr lang="en-US" dirty="0">
-                <a:latin typeface="Times New Roman" panose="02020603050405020304" pitchFamily="18" charset="0"/>
-                <a:cs typeface="Times New Roman" panose="02020603050405020304" pitchFamily="18" charset="0"/>
-              </a:rPr>
-              <a:t> </a:t>
-            </a:r>
-            <a:r>
-              <a:rPr lang="en-US" dirty="0" err="1">
+              <a:rPr lang="en-US" b="1" dirty="0">
+                <a:latin typeface="Times New Roman" panose="02020603050405020304" pitchFamily="18" charset="0"/>
+                <a:cs typeface="Times New Roman" panose="02020603050405020304" pitchFamily="18" charset="0"/>
+              </a:rPr>
+              <a:t> </a:t>
+            </a:r>
+            <a:r>
+              <a:rPr lang="en-US" b="1" dirty="0" err="1">
                 <a:latin typeface="Times New Roman" panose="02020603050405020304" pitchFamily="18" charset="0"/>
                 <a:cs typeface="Times New Roman" panose="02020603050405020304" pitchFamily="18" charset="0"/>
               </a:rPr>
               <a:t>bu</a:t>
             </a:r>
             <a:r>
-              <a:rPr lang="en-US" dirty="0">
-                <a:latin typeface="Times New Roman" panose="02020603050405020304" pitchFamily="18" charset="0"/>
-                <a:cs typeface="Times New Roman" panose="02020603050405020304" pitchFamily="18" charset="0"/>
-              </a:rPr>
-              <a:t> </a:t>
-            </a:r>
-            <a:r>
-              <a:rPr lang="en-US" dirty="0" err="1">
+              <a:rPr lang="en-US" b="1" dirty="0">
+                <a:latin typeface="Times New Roman" panose="02020603050405020304" pitchFamily="18" charset="0"/>
+                <a:cs typeface="Times New Roman" panose="02020603050405020304" pitchFamily="18" charset="0"/>
+              </a:rPr>
+              <a:t> </a:t>
+            </a:r>
+            <a:r>
+              <a:rPr lang="en-US" b="1" dirty="0" err="1">
                 <a:latin typeface="Times New Roman" panose="02020603050405020304" pitchFamily="18" charset="0"/>
                 <a:cs typeface="Times New Roman" panose="02020603050405020304" pitchFamily="18" charset="0"/>
               </a:rPr>
               <a:t>süre</a:t>
             </a:r>
             <a:r>
-              <a:rPr lang="en-US" dirty="0">
-                <a:latin typeface="Times New Roman" panose="02020603050405020304" pitchFamily="18" charset="0"/>
-                <a:cs typeface="Times New Roman" panose="02020603050405020304" pitchFamily="18" charset="0"/>
-              </a:rPr>
-              <a:t> </a:t>
-            </a:r>
-            <a:r>
-              <a:rPr lang="en-US" dirty="0" err="1">
+              <a:rPr lang="en-US" b="1" dirty="0">
+                <a:latin typeface="Times New Roman" panose="02020603050405020304" pitchFamily="18" charset="0"/>
+                <a:cs typeface="Times New Roman" panose="02020603050405020304" pitchFamily="18" charset="0"/>
+              </a:rPr>
+              <a:t> </a:t>
+            </a:r>
+            <a:r>
+              <a:rPr lang="en-US" b="1" dirty="0" err="1">
                 <a:latin typeface="Times New Roman" panose="02020603050405020304" pitchFamily="18" charset="0"/>
                 <a:cs typeface="Times New Roman" panose="02020603050405020304" pitchFamily="18" charset="0"/>
               </a:rPr>
               <a:t>haftaya</a:t>
             </a:r>
             <a:r>
-              <a:rPr lang="en-US" dirty="0">
-                <a:latin typeface="Times New Roman" panose="02020603050405020304" pitchFamily="18" charset="0"/>
-                <a:cs typeface="Times New Roman" panose="02020603050405020304" pitchFamily="18" charset="0"/>
-              </a:rPr>
-              <a:t> </a:t>
-            </a:r>
-            <a:r>
-              <a:rPr lang="en-US" dirty="0" err="1">
+              <a:rPr lang="en-US" b="1" dirty="0">
+                <a:latin typeface="Times New Roman" panose="02020603050405020304" pitchFamily="18" charset="0"/>
+                <a:cs typeface="Times New Roman" panose="02020603050405020304" pitchFamily="18" charset="0"/>
+              </a:rPr>
+              <a:t> </a:t>
+            </a:r>
+            <a:r>
+              <a:rPr lang="en-US" b="1" dirty="0" err="1">
                 <a:latin typeface="Times New Roman" panose="02020603050405020304" pitchFamily="18" charset="0"/>
                 <a:cs typeface="Times New Roman" panose="02020603050405020304" pitchFamily="18" charset="0"/>
               </a:rPr>
               <a:t>kadar</a:t>
             </a:r>
             <a:r>
-              <a:rPr lang="tr-TR" dirty="0">
-                <a:latin typeface="Times New Roman" panose="02020603050405020304" pitchFamily="18" charset="0"/>
-                <a:cs typeface="Times New Roman" panose="02020603050405020304" pitchFamily="18" charset="0"/>
-              </a:rPr>
-              <a:t> </a:t>
-            </a:r>
-            <a:r>
-              <a:rPr lang="en-US" dirty="0" err="1">
+              <a:rPr lang="tr-TR" b="1" dirty="0">
+                <a:latin typeface="Times New Roman" panose="02020603050405020304" pitchFamily="18" charset="0"/>
+                <a:cs typeface="Times New Roman" panose="02020603050405020304" pitchFamily="18" charset="0"/>
+              </a:rPr>
+              <a:t> </a:t>
+            </a:r>
+            <a:r>
+              <a:rPr lang="en-US" b="1" dirty="0" err="1">
                 <a:latin typeface="Times New Roman" panose="02020603050405020304" pitchFamily="18" charset="0"/>
                 <a:cs typeface="Times New Roman" panose="02020603050405020304" pitchFamily="18" charset="0"/>
               </a:rPr>
@@ -14222,21 +14339,21 @@
               <a:t> </a:t>
             </a:r>
             <a:r>
-              <a:rPr lang="en-US" dirty="0" err="1">
+              <a:rPr lang="en-US" b="1" dirty="0" err="1">
                 <a:latin typeface="Times New Roman" panose="02020603050405020304" pitchFamily="18" charset="0"/>
                 <a:cs typeface="Times New Roman" panose="02020603050405020304" pitchFamily="18" charset="0"/>
               </a:rPr>
               <a:t>küçük</a:t>
             </a:r>
             <a:r>
-              <a:rPr lang="en-US" dirty="0">
-                <a:latin typeface="Times New Roman" panose="02020603050405020304" pitchFamily="18" charset="0"/>
-                <a:cs typeface="Times New Roman" panose="02020603050405020304" pitchFamily="18" charset="0"/>
-              </a:rPr>
-              <a:t> </a:t>
-            </a:r>
-            <a:r>
-              <a:rPr lang="en-US" dirty="0" err="1">
+              <a:rPr lang="en-US" b="1" dirty="0">
+                <a:latin typeface="Times New Roman" panose="02020603050405020304" pitchFamily="18" charset="0"/>
+                <a:cs typeface="Times New Roman" panose="02020603050405020304" pitchFamily="18" charset="0"/>
+              </a:rPr>
+              <a:t> </a:t>
+            </a:r>
+            <a:r>
+              <a:rPr lang="en-US" b="1" dirty="0" err="1">
                 <a:latin typeface="Times New Roman" panose="02020603050405020304" pitchFamily="18" charset="0"/>
                 <a:cs typeface="Times New Roman" panose="02020603050405020304" pitchFamily="18" charset="0"/>
               </a:rPr>
@@ -14292,91 +14409,91 @@
               <a:t> </a:t>
             </a:r>
             <a:r>
-              <a:rPr lang="en-US" dirty="0" err="1">
+              <a:rPr lang="en-US" b="1" dirty="0" err="1">
                 <a:latin typeface="Times New Roman" panose="02020603050405020304" pitchFamily="18" charset="0"/>
                 <a:cs typeface="Times New Roman" panose="02020603050405020304" pitchFamily="18" charset="0"/>
               </a:rPr>
               <a:t>müşteriden</a:t>
             </a:r>
             <a:r>
-              <a:rPr lang="en-US" dirty="0">
-                <a:latin typeface="Times New Roman" panose="02020603050405020304" pitchFamily="18" charset="0"/>
-                <a:cs typeface="Times New Roman" panose="02020603050405020304" pitchFamily="18" charset="0"/>
-              </a:rPr>
-              <a:t> </a:t>
-            </a:r>
-            <a:r>
-              <a:rPr lang="en-US" dirty="0" err="1">
+              <a:rPr lang="en-US" b="1" dirty="0">
+                <a:latin typeface="Times New Roman" panose="02020603050405020304" pitchFamily="18" charset="0"/>
+                <a:cs typeface="Times New Roman" panose="02020603050405020304" pitchFamily="18" charset="0"/>
+              </a:rPr>
+              <a:t> </a:t>
+            </a:r>
+            <a:r>
+              <a:rPr lang="en-US" b="1" dirty="0" err="1">
                 <a:latin typeface="Times New Roman" panose="02020603050405020304" pitchFamily="18" charset="0"/>
                 <a:cs typeface="Times New Roman" panose="02020603050405020304" pitchFamily="18" charset="0"/>
               </a:rPr>
               <a:t>geri</a:t>
             </a:r>
             <a:r>
-              <a:rPr lang="tr-TR" dirty="0">
-                <a:latin typeface="Times New Roman" panose="02020603050405020304" pitchFamily="18" charset="0"/>
-                <a:cs typeface="Times New Roman" panose="02020603050405020304" pitchFamily="18" charset="0"/>
-              </a:rPr>
-              <a:t> </a:t>
-            </a:r>
-            <a:r>
-              <a:rPr lang="en-US" dirty="0" err="1">
+              <a:rPr lang="tr-TR" b="1" dirty="0">
+                <a:latin typeface="Times New Roman" panose="02020603050405020304" pitchFamily="18" charset="0"/>
+                <a:cs typeface="Times New Roman" panose="02020603050405020304" pitchFamily="18" charset="0"/>
+              </a:rPr>
+              <a:t> </a:t>
+            </a:r>
+            <a:r>
+              <a:rPr lang="en-US" b="1" dirty="0" err="1">
                 <a:latin typeface="Times New Roman" panose="02020603050405020304" pitchFamily="18" charset="0"/>
                 <a:cs typeface="Times New Roman" panose="02020603050405020304" pitchFamily="18" charset="0"/>
               </a:rPr>
               <a:t>bildirim</a:t>
             </a:r>
             <a:r>
-              <a:rPr lang="en-US" dirty="0">
-                <a:latin typeface="Times New Roman" panose="02020603050405020304" pitchFamily="18" charset="0"/>
-                <a:cs typeface="Times New Roman" panose="02020603050405020304" pitchFamily="18" charset="0"/>
-              </a:rPr>
-              <a:t> </a:t>
-            </a:r>
-            <a:r>
-              <a:rPr lang="en-US" dirty="0" err="1">
+              <a:rPr lang="en-US" b="1" dirty="0">
+                <a:latin typeface="Times New Roman" panose="02020603050405020304" pitchFamily="18" charset="0"/>
+                <a:cs typeface="Times New Roman" panose="02020603050405020304" pitchFamily="18" charset="0"/>
+              </a:rPr>
+              <a:t> </a:t>
+            </a:r>
+            <a:r>
+              <a:rPr lang="en-US" b="1" dirty="0" err="1">
                 <a:latin typeface="Times New Roman" panose="02020603050405020304" pitchFamily="18" charset="0"/>
                 <a:cs typeface="Times New Roman" panose="02020603050405020304" pitchFamily="18" charset="0"/>
               </a:rPr>
               <a:t>alınarak</a:t>
             </a:r>
             <a:r>
-              <a:rPr lang="en-US" dirty="0">
-                <a:latin typeface="Times New Roman" panose="02020603050405020304" pitchFamily="18" charset="0"/>
-                <a:cs typeface="Times New Roman" panose="02020603050405020304" pitchFamily="18" charset="0"/>
-              </a:rPr>
-              <a:t> </a:t>
-            </a:r>
-            <a:r>
-              <a:rPr lang="en-US" dirty="0" err="1">
+              <a:rPr lang="en-US" b="1" dirty="0">
+                <a:latin typeface="Times New Roman" panose="02020603050405020304" pitchFamily="18" charset="0"/>
+                <a:cs typeface="Times New Roman" panose="02020603050405020304" pitchFamily="18" charset="0"/>
+              </a:rPr>
+              <a:t> </a:t>
+            </a:r>
+            <a:r>
+              <a:rPr lang="en-US" b="1" dirty="0" err="1">
                 <a:latin typeface="Times New Roman" panose="02020603050405020304" pitchFamily="18" charset="0"/>
                 <a:cs typeface="Times New Roman" panose="02020603050405020304" pitchFamily="18" charset="0"/>
               </a:rPr>
               <a:t>yazılım</a:t>
             </a:r>
             <a:r>
-              <a:rPr lang="en-US" dirty="0">
-                <a:latin typeface="Times New Roman" panose="02020603050405020304" pitchFamily="18" charset="0"/>
-                <a:cs typeface="Times New Roman" panose="02020603050405020304" pitchFamily="18" charset="0"/>
-              </a:rPr>
-              <a:t> </a:t>
-            </a:r>
-            <a:r>
-              <a:rPr lang="en-US" dirty="0" err="1">
+              <a:rPr lang="en-US" b="1" dirty="0">
+                <a:latin typeface="Times New Roman" panose="02020603050405020304" pitchFamily="18" charset="0"/>
+                <a:cs typeface="Times New Roman" panose="02020603050405020304" pitchFamily="18" charset="0"/>
+              </a:rPr>
+              <a:t> </a:t>
+            </a:r>
+            <a:r>
+              <a:rPr lang="en-US" b="1" dirty="0" err="1">
                 <a:latin typeface="Times New Roman" panose="02020603050405020304" pitchFamily="18" charset="0"/>
                 <a:cs typeface="Times New Roman" panose="02020603050405020304" pitchFamily="18" charset="0"/>
               </a:rPr>
               <a:t>ortaya</a:t>
             </a:r>
             <a:r>
-              <a:rPr lang="en-US" dirty="0">
-                <a:latin typeface="Times New Roman" panose="02020603050405020304" pitchFamily="18" charset="0"/>
-                <a:cs typeface="Times New Roman" panose="02020603050405020304" pitchFamily="18" charset="0"/>
-              </a:rPr>
-              <a:t> </a:t>
-            </a:r>
-            <a:r>
-              <a:rPr lang="en-US" dirty="0" err="1">
+              <a:rPr lang="en-US" b="1" dirty="0">
+                <a:latin typeface="Times New Roman" panose="02020603050405020304" pitchFamily="18" charset="0"/>
+                <a:cs typeface="Times New Roman" panose="02020603050405020304" pitchFamily="18" charset="0"/>
+              </a:rPr>
+              <a:t> </a:t>
+            </a:r>
+            <a:r>
+              <a:rPr lang="en-US" b="1" dirty="0" err="1">
                 <a:latin typeface="Times New Roman" panose="02020603050405020304" pitchFamily="18" charset="0"/>
                 <a:cs typeface="Times New Roman" panose="02020603050405020304" pitchFamily="18" charset="0"/>
               </a:rPr>
@@ -14862,7 +14979,21 @@
                 <a:latin typeface="Times New Roman" panose="02020603050405020304" pitchFamily="18" charset="0"/>
                 <a:cs typeface="Times New Roman" panose="02020603050405020304" pitchFamily="18" charset="0"/>
               </a:rPr>
-              <a:t> (“Extreme Programming – XP”)</a:t>
+              <a:t> (“</a:t>
+            </a:r>
+            <a:r>
+              <a:rPr lang="en-US" b="1" dirty="0">
+                <a:latin typeface="Times New Roman" panose="02020603050405020304" pitchFamily="18" charset="0"/>
+                <a:cs typeface="Times New Roman" panose="02020603050405020304" pitchFamily="18" charset="0"/>
+              </a:rPr>
+              <a:t>Extreme Programming </a:t>
+            </a:r>
+            <a:r>
+              <a:rPr lang="en-US" dirty="0">
+                <a:latin typeface="Times New Roman" panose="02020603050405020304" pitchFamily="18" charset="0"/>
+                <a:cs typeface="Times New Roman" panose="02020603050405020304" pitchFamily="18" charset="0"/>
+              </a:rPr>
+              <a:t>– XP”)</a:t>
             </a:r>
           </a:p>
           <a:p>
@@ -14981,7 +15112,7 @@
               <a:buChar char="o"/>
             </a:pPr>
             <a:r>
-              <a:rPr lang="en-US" dirty="0">
+              <a:rPr lang="en-US" b="1" dirty="0">
                 <a:latin typeface="Times New Roman" panose="02020603050405020304" pitchFamily="18" charset="0"/>
                 <a:cs typeface="Times New Roman" panose="02020603050405020304" pitchFamily="18" charset="0"/>
               </a:rPr>
@@ -18298,7 +18429,24 @@
                 <a:latin typeface="Times New Roman" panose="02020603050405020304" pitchFamily="18" charset="0"/>
                 <a:cs typeface="Times New Roman" panose="02020603050405020304" pitchFamily="18" charset="0"/>
               </a:rPr>
-              <a:t> (Unified Process)</a:t>
+              <a:t> (</a:t>
+            </a:r>
+            <a:r>
+              <a:rPr lang="en-US" b="1" dirty="0">
+                <a:solidFill>
+                  <a:srgbClr val="FF0000"/>
+                </a:solidFill>
+                <a:latin typeface="Times New Roman" panose="02020603050405020304" pitchFamily="18" charset="0"/>
+                <a:cs typeface="Times New Roman" panose="02020603050405020304" pitchFamily="18" charset="0"/>
+              </a:rPr>
+              <a:t>Unified Process</a:t>
+            </a:r>
+            <a:r>
+              <a:rPr lang="en-US" b="1" dirty="0">
+                <a:latin typeface="Times New Roman" panose="02020603050405020304" pitchFamily="18" charset="0"/>
+                <a:cs typeface="Times New Roman" panose="02020603050405020304" pitchFamily="18" charset="0"/>
+              </a:rPr>
+              <a:t>)</a:t>
             </a:r>
           </a:p>
         </p:txBody>
@@ -18537,7 +18685,27 @@
                 <a:latin typeface="Times New Roman" panose="02020603050405020304" pitchFamily="18" charset="0"/>
                 <a:cs typeface="Times New Roman" panose="02020603050405020304" pitchFamily="18" charset="0"/>
               </a:rPr>
-              <a:t>Problemdeki istekler (requirements) bir bütün olarak yerine getirilmeye çalışılmaz. Önce problemin bir kısmı ele alınır. Problemin bu kısmı bağımsız bir proje olarak ele alınır ve hedeflenen istekleri yerine getiren sınanmış tam bir ürün ortaya çıkartılır. Ardından bir sonraki yinelemeye geçilir ve yeni istekler ele alınır. Her iterasyon sonunda hedefe daha yakın bir ürün elde edilir.</a:t>
+              <a:t>Problemdeki istekler (requirements) bir bütün olarak yerine getirilmeye çalışılmaz. </a:t>
+            </a:r>
+            <a:r>
+              <a:rPr lang="tr-TR" sz="2800" b="1" dirty="0">
+                <a:solidFill>
+                  <a:schemeClr val="tx1"/>
+                </a:solidFill>
+                <a:latin typeface="Times New Roman" panose="02020603050405020304" pitchFamily="18" charset="0"/>
+                <a:cs typeface="Times New Roman" panose="02020603050405020304" pitchFamily="18" charset="0"/>
+              </a:rPr>
+              <a:t>Önce problemin bir kısmı </a:t>
+            </a:r>
+            <a:r>
+              <a:rPr lang="tr-TR" sz="2800" dirty="0">
+                <a:solidFill>
+                  <a:schemeClr val="tx1"/>
+                </a:solidFill>
+                <a:latin typeface="Times New Roman" panose="02020603050405020304" pitchFamily="18" charset="0"/>
+                <a:cs typeface="Times New Roman" panose="02020603050405020304" pitchFamily="18" charset="0"/>
+              </a:rPr>
+              <a:t>ele alınır. Problemin bu kısmı bağımsız bir proje olarak ele alınır ve hedeflenen istekleri yerine getiren sınanmış tam bir ürün ortaya çıkartılır. Ardından bir sonraki yinelemeye geçilir ve yeni istekler ele alınır. Her iterasyon sonunda hedefe daha yakın bir ürün elde edilir.</a:t>
             </a:r>
           </a:p>
           <a:p>
@@ -18562,7 +18730,7 @@
                 <a:latin typeface="Times New Roman" panose="02020603050405020304" pitchFamily="18" charset="0"/>
                 <a:cs typeface="Times New Roman" panose="02020603050405020304" pitchFamily="18" charset="0"/>
               </a:rPr>
-              <a:t>Arttırmalı ve evrimsel (incremental, evolutionary): </a:t>
+              <a:t>Arttırmalı ve evrimsel (incremental, evolutionary): Her iterasyon </a:t>
             </a:r>
             <a:r>
               <a:rPr lang="tr-TR" sz="2800" dirty="0">
@@ -18572,7 +18740,27 @@
                 <a:latin typeface="Times New Roman" panose="02020603050405020304" pitchFamily="18" charset="0"/>
                 <a:cs typeface="Times New Roman" panose="02020603050405020304" pitchFamily="18" charset="0"/>
               </a:rPr>
-              <a:t>Her iterasyon adımında yeni istekler ele aldığında iterasyonlar sonucunda elde edilen ürünlerin özellikleri artar ve hedeflenen yazılım ürününe yaklaşırlar.</a:t>
+              <a:t>adımında </a:t>
+            </a:r>
+            <a:r>
+              <a:rPr lang="tr-TR" sz="2800" b="1" dirty="0">
+                <a:solidFill>
+                  <a:schemeClr val="tx1"/>
+                </a:solidFill>
+                <a:latin typeface="Times New Roman" panose="02020603050405020304" pitchFamily="18" charset="0"/>
+                <a:cs typeface="Times New Roman" panose="02020603050405020304" pitchFamily="18" charset="0"/>
+              </a:rPr>
+              <a:t>yeni istekler </a:t>
+            </a:r>
+            <a:r>
+              <a:rPr lang="tr-TR" sz="2800" dirty="0">
+                <a:solidFill>
+                  <a:schemeClr val="tx1"/>
+                </a:solidFill>
+                <a:latin typeface="Times New Roman" panose="02020603050405020304" pitchFamily="18" charset="0"/>
+                <a:cs typeface="Times New Roman" panose="02020603050405020304" pitchFamily="18" charset="0"/>
+              </a:rPr>
+              <a:t>ele aldığında iterasyonlar sonucunda elde edilen ürünlerin özellikleri artar ve hedeflenen yazılım ürününe yaklaşırlar.</a:t>
             </a:r>
           </a:p>
           <a:p>
@@ -18607,7 +18795,27 @@
                 <a:latin typeface="Times New Roman" panose="02020603050405020304" pitchFamily="18" charset="0"/>
                 <a:cs typeface="Times New Roman" panose="02020603050405020304" pitchFamily="18" charset="0"/>
               </a:rPr>
-              <a:t> ilk iterasyonlarda en riskli kısımlar gerçeklenmelidir. Böylece daha projenin ilk aşamalarında ortaya çıkabilecek problemler görülebilir ve gerekli önlemler alınabile. Örnegin zaman planı gözden geçirilir, ekibe yeni elamanlar alınabilir, bütçe güncellenebilir.</a:t>
+              <a:t> ilk iterasyonlarda </a:t>
+            </a:r>
+            <a:r>
+              <a:rPr lang="tr-TR" sz="2800" b="1" dirty="0">
+                <a:solidFill>
+                  <a:schemeClr val="tx1"/>
+                </a:solidFill>
+                <a:latin typeface="Times New Roman" panose="02020603050405020304" pitchFamily="18" charset="0"/>
+                <a:cs typeface="Times New Roman" panose="02020603050405020304" pitchFamily="18" charset="0"/>
+              </a:rPr>
+              <a:t>en riskli kısımlar </a:t>
+            </a:r>
+            <a:r>
+              <a:rPr lang="tr-TR" sz="2800" dirty="0">
+                <a:solidFill>
+                  <a:schemeClr val="tx1"/>
+                </a:solidFill>
+                <a:latin typeface="Times New Roman" panose="02020603050405020304" pitchFamily="18" charset="0"/>
+                <a:cs typeface="Times New Roman" panose="02020603050405020304" pitchFamily="18" charset="0"/>
+              </a:rPr>
+              <a:t>gerçeklenmelidir. Böylece daha projenin ilk aşamalarında ortaya çıkabilecek problemler görülebilir ve gerekli önlemler alınabile. Örnegin zaman planı gözden geçirilir, ekibe yeni elamanlar alınabilir, bütçe güncellenebilir.</a:t>
             </a:r>
           </a:p>
           <a:p>
@@ -27109,7 +27317,21 @@
                 <a:latin typeface="Times New Roman" panose="02020603050405020304" pitchFamily="18" charset="0"/>
                 <a:cs typeface="Times New Roman" panose="02020603050405020304" pitchFamily="18" charset="0"/>
               </a:rPr>
-              <a:t>Deneyemlere</a:t>
+              <a:t>Deney</a:t>
+            </a:r>
+            <a:r>
+              <a:rPr lang="tr-TR" dirty="0">
+                <a:latin typeface="Times New Roman" panose="02020603050405020304" pitchFamily="18" charset="0"/>
+                <a:cs typeface="Times New Roman" panose="02020603050405020304" pitchFamily="18" charset="0"/>
+              </a:rPr>
+              <a:t>i</a:t>
+            </a:r>
+            <a:r>
+              <a:rPr lang="en-US" dirty="0" err="1">
+                <a:latin typeface="Times New Roman" panose="02020603050405020304" pitchFamily="18" charset="0"/>
+                <a:cs typeface="Times New Roman" panose="02020603050405020304" pitchFamily="18" charset="0"/>
+              </a:rPr>
+              <a:t>mlere</a:t>
             </a:r>
             <a:r>
               <a:rPr lang="en-US" dirty="0">
@@ -27228,21 +27450,7 @@
                 <a:latin typeface="Times New Roman" panose="02020603050405020304" pitchFamily="18" charset="0"/>
                 <a:cs typeface="Times New Roman" panose="02020603050405020304" pitchFamily="18" charset="0"/>
               </a:rPr>
-              <a:t> </a:t>
-            </a:r>
-            <a:r>
-              <a:rPr lang="en-US" dirty="0" err="1">
-                <a:latin typeface="Times New Roman" panose="02020603050405020304" pitchFamily="18" charset="0"/>
-                <a:cs typeface="Times New Roman" panose="02020603050405020304" pitchFamily="18" charset="0"/>
-              </a:rPr>
-              <a:t>iyi</a:t>
-            </a:r>
-            <a:r>
-              <a:rPr lang="en-US" dirty="0">
-                <a:latin typeface="Times New Roman" panose="02020603050405020304" pitchFamily="18" charset="0"/>
-                <a:cs typeface="Times New Roman" panose="02020603050405020304" pitchFamily="18" charset="0"/>
-              </a:rPr>
-              <a:t> </a:t>
+              <a:t> iyi </a:t>
             </a:r>
             <a:r>
               <a:rPr lang="en-US" dirty="0" err="1">
@@ -29392,18 +29600,11 @@
               <a:buChar char="Ø"/>
             </a:pPr>
             <a:r>
-              <a:rPr lang="en-US" b="1" dirty="0" err="1">
-                <a:latin typeface="Times New Roman" panose="02020603050405020304" pitchFamily="18" charset="0"/>
-                <a:cs typeface="Times New Roman" panose="02020603050405020304" pitchFamily="18" charset="0"/>
-              </a:rPr>
-              <a:t>Bir</a:t>
-            </a:r>
-            <a:r>
               <a:rPr lang="en-US" b="1" dirty="0">
                 <a:latin typeface="Times New Roman" panose="02020603050405020304" pitchFamily="18" charset="0"/>
                 <a:cs typeface="Times New Roman" panose="02020603050405020304" pitchFamily="18" charset="0"/>
               </a:rPr>
-              <a:t> </a:t>
+              <a:t>Bir </a:t>
             </a:r>
             <a:r>
               <a:rPr lang="en-US" b="1" dirty="0" err="1">
@@ -29577,7 +29778,27 @@
                 <a:latin typeface="Times New Roman" panose="02020603050405020304" pitchFamily="18" charset="0"/>
                 <a:cs typeface="Times New Roman" panose="02020603050405020304" pitchFamily="18" charset="0"/>
               </a:rPr>
-              <a:t> (Agile) </a:t>
+              <a:t> (</a:t>
+            </a:r>
+            <a:r>
+              <a:rPr lang="en-US" b="1" dirty="0">
+                <a:solidFill>
+                  <a:srgbClr val="FF0000"/>
+                </a:solidFill>
+                <a:latin typeface="Times New Roman" panose="02020603050405020304" pitchFamily="18" charset="0"/>
+                <a:cs typeface="Times New Roman" panose="02020603050405020304" pitchFamily="18" charset="0"/>
+              </a:rPr>
+              <a:t>Agile</a:t>
+            </a:r>
+            <a:r>
+              <a:rPr lang="en-US" b="1" dirty="0">
+                <a:solidFill>
+                  <a:srgbClr val="002060"/>
+                </a:solidFill>
+                <a:latin typeface="Times New Roman" panose="02020603050405020304" pitchFamily="18" charset="0"/>
+                <a:cs typeface="Times New Roman" panose="02020603050405020304" pitchFamily="18" charset="0"/>
+              </a:rPr>
+              <a:t>) </a:t>
             </a:r>
             <a:r>
               <a:rPr lang="en-US" b="1" dirty="0" err="1">
@@ -29608,7 +29829,7 @@
         <p:spPr>
           <a:xfrm>
             <a:off x="838200" y="1433003"/>
-            <a:ext cx="9856922" cy="707886"/>
+            <a:ext cx="10344742" cy="707886"/>
           </a:xfrm>
           <a:prstGeom prst="rect">
             <a:avLst/>

--- a/Slides/Yazılım Mimarileri - Bolum 3.pptx
+++ b/Slides/Yazılım Mimarileri - Bolum 3.pptx
@@ -15477,7 +15477,14 @@
                 <a:latin typeface="Times New Roman" panose="02020603050405020304" pitchFamily="18" charset="0"/>
                 <a:cs typeface="Times New Roman" panose="02020603050405020304" pitchFamily="18" charset="0"/>
               </a:rPr>
-              <a:t>, Kent Beck </a:t>
+              <a:t>, </a:t>
+            </a:r>
+            <a:r>
+              <a:rPr lang="en-US" sz="3200" b="1" dirty="0">
+                <a:latin typeface="Times New Roman" panose="02020603050405020304" pitchFamily="18" charset="0"/>
+                <a:cs typeface="Times New Roman" panose="02020603050405020304" pitchFamily="18" charset="0"/>
+              </a:rPr>
+              <a:t>Kent Beck </a:t>
             </a:r>
             <a:r>
               <a:rPr lang="en-US" sz="3200" dirty="0" err="1">
@@ -15491,7 +15498,21 @@
                 <a:latin typeface="Times New Roman" panose="02020603050405020304" pitchFamily="18" charset="0"/>
                 <a:cs typeface="Times New Roman" panose="02020603050405020304" pitchFamily="18" charset="0"/>
               </a:rPr>
-              <a:t> 1999 </a:t>
+              <a:t> </a:t>
+            </a:r>
+            <a:r>
+              <a:rPr lang="en-US" sz="3200" b="1" dirty="0">
+                <a:latin typeface="Times New Roman" panose="02020603050405020304" pitchFamily="18" charset="0"/>
+                <a:cs typeface="Times New Roman" panose="02020603050405020304" pitchFamily="18" charset="0"/>
+              </a:rPr>
+              <a:t>1999</a:t>
+            </a:r>
+            <a:r>
+              <a:rPr lang="en-US" sz="3200" dirty="0">
+                <a:latin typeface="Times New Roman" panose="02020603050405020304" pitchFamily="18" charset="0"/>
+                <a:cs typeface="Times New Roman" panose="02020603050405020304" pitchFamily="18" charset="0"/>
+              </a:rPr>
+              <a:t> </a:t>
             </a:r>
             <a:r>
               <a:rPr lang="en-US" sz="3200" dirty="0" err="1">
@@ -15647,105 +15668,105 @@
               <a:t> </a:t>
             </a:r>
             <a:r>
+              <a:rPr lang="en-US" sz="3200" b="1" dirty="0" err="1">
+                <a:latin typeface="Times New Roman" panose="02020603050405020304" pitchFamily="18" charset="0"/>
+                <a:cs typeface="Times New Roman" panose="02020603050405020304" pitchFamily="18" charset="0"/>
+              </a:rPr>
+              <a:t>senaryolar</a:t>
+            </a:r>
+            <a:r>
+              <a:rPr lang="en-US" sz="3200" dirty="0">
+                <a:latin typeface="Times New Roman" panose="02020603050405020304" pitchFamily="18" charset="0"/>
+                <a:cs typeface="Times New Roman" panose="02020603050405020304" pitchFamily="18" charset="0"/>
+              </a:rPr>
+              <a:t> </a:t>
+            </a:r>
+            <a:r>
               <a:rPr lang="en-US" sz="3200" dirty="0" err="1">
                 <a:latin typeface="Times New Roman" panose="02020603050405020304" pitchFamily="18" charset="0"/>
                 <a:cs typeface="Times New Roman" panose="02020603050405020304" pitchFamily="18" charset="0"/>
               </a:rPr>
+              <a:t>şeklinde</a:t>
+            </a:r>
+            <a:r>
+              <a:rPr lang="en-US" sz="3200" dirty="0">
+                <a:latin typeface="Times New Roman" panose="02020603050405020304" pitchFamily="18" charset="0"/>
+                <a:cs typeface="Times New Roman" panose="02020603050405020304" pitchFamily="18" charset="0"/>
+              </a:rPr>
+              <a:t> </a:t>
+            </a:r>
+            <a:r>
+              <a:rPr lang="en-US" sz="3200" dirty="0" err="1">
+                <a:latin typeface="Times New Roman" panose="02020603050405020304" pitchFamily="18" charset="0"/>
+                <a:cs typeface="Times New Roman" panose="02020603050405020304" pitchFamily="18" charset="0"/>
+              </a:rPr>
+              <a:t>oluşturulur</a:t>
+            </a:r>
+            <a:r>
+              <a:rPr lang="en-US" sz="3200" dirty="0">
+                <a:latin typeface="Times New Roman" panose="02020603050405020304" pitchFamily="18" charset="0"/>
+                <a:cs typeface="Times New Roman" panose="02020603050405020304" pitchFamily="18" charset="0"/>
+              </a:rPr>
+              <a:t>. </a:t>
+            </a:r>
+            <a:r>
+              <a:rPr lang="en-US" sz="3200" dirty="0" err="1">
+                <a:latin typeface="Times New Roman" panose="02020603050405020304" pitchFamily="18" charset="0"/>
+                <a:cs typeface="Times New Roman" panose="02020603050405020304" pitchFamily="18" charset="0"/>
+              </a:rPr>
+              <a:t>Daha</a:t>
+            </a:r>
+            <a:r>
+              <a:rPr lang="en-US" sz="3200" dirty="0">
+                <a:latin typeface="Times New Roman" panose="02020603050405020304" pitchFamily="18" charset="0"/>
+                <a:cs typeface="Times New Roman" panose="02020603050405020304" pitchFamily="18" charset="0"/>
+              </a:rPr>
+              <a:t> </a:t>
+            </a:r>
+            <a:r>
+              <a:rPr lang="en-US" sz="3200" dirty="0" err="1">
+                <a:latin typeface="Times New Roman" panose="02020603050405020304" pitchFamily="18" charset="0"/>
+                <a:cs typeface="Times New Roman" panose="02020603050405020304" pitchFamily="18" charset="0"/>
+              </a:rPr>
+              <a:t>sonra</a:t>
+            </a:r>
+            <a:r>
+              <a:rPr lang="en-US" sz="3200" dirty="0">
+                <a:latin typeface="Times New Roman" panose="02020603050405020304" pitchFamily="18" charset="0"/>
+                <a:cs typeface="Times New Roman" panose="02020603050405020304" pitchFamily="18" charset="0"/>
+              </a:rPr>
+              <a:t> </a:t>
+            </a:r>
+            <a:r>
+              <a:rPr lang="en-US" sz="3200" b="1" dirty="0" err="1">
+                <a:latin typeface="Times New Roman" panose="02020603050405020304" pitchFamily="18" charset="0"/>
+                <a:cs typeface="Times New Roman" panose="02020603050405020304" pitchFamily="18" charset="0"/>
+              </a:rPr>
               <a:t>senaryolar</a:t>
             </a:r>
             <a:r>
-              <a:rPr lang="en-US" sz="3200" dirty="0">
-                <a:latin typeface="Times New Roman" panose="02020603050405020304" pitchFamily="18" charset="0"/>
-                <a:cs typeface="Times New Roman" panose="02020603050405020304" pitchFamily="18" charset="0"/>
-              </a:rPr>
-              <a:t> </a:t>
-            </a:r>
-            <a:r>
-              <a:rPr lang="en-US" sz="3200" dirty="0" err="1">
-                <a:latin typeface="Times New Roman" panose="02020603050405020304" pitchFamily="18" charset="0"/>
-                <a:cs typeface="Times New Roman" panose="02020603050405020304" pitchFamily="18" charset="0"/>
-              </a:rPr>
-              <a:t>şeklinde</a:t>
-            </a:r>
-            <a:r>
-              <a:rPr lang="en-US" sz="3200" dirty="0">
-                <a:latin typeface="Times New Roman" panose="02020603050405020304" pitchFamily="18" charset="0"/>
-                <a:cs typeface="Times New Roman" panose="02020603050405020304" pitchFamily="18" charset="0"/>
-              </a:rPr>
-              <a:t> </a:t>
-            </a:r>
-            <a:r>
-              <a:rPr lang="en-US" sz="3200" dirty="0" err="1">
-                <a:latin typeface="Times New Roman" panose="02020603050405020304" pitchFamily="18" charset="0"/>
-                <a:cs typeface="Times New Roman" panose="02020603050405020304" pitchFamily="18" charset="0"/>
-              </a:rPr>
-              <a:t>oluşturulur</a:t>
-            </a:r>
-            <a:r>
-              <a:rPr lang="en-US" sz="3200" dirty="0">
-                <a:latin typeface="Times New Roman" panose="02020603050405020304" pitchFamily="18" charset="0"/>
-                <a:cs typeface="Times New Roman" panose="02020603050405020304" pitchFamily="18" charset="0"/>
-              </a:rPr>
-              <a:t>. </a:t>
-            </a:r>
-            <a:r>
-              <a:rPr lang="en-US" sz="3200" dirty="0" err="1">
-                <a:latin typeface="Times New Roman" panose="02020603050405020304" pitchFamily="18" charset="0"/>
-                <a:cs typeface="Times New Roman" panose="02020603050405020304" pitchFamily="18" charset="0"/>
-              </a:rPr>
-              <a:t>Daha</a:t>
-            </a:r>
-            <a:r>
-              <a:rPr lang="en-US" sz="3200" dirty="0">
-                <a:latin typeface="Times New Roman" panose="02020603050405020304" pitchFamily="18" charset="0"/>
-                <a:cs typeface="Times New Roman" panose="02020603050405020304" pitchFamily="18" charset="0"/>
-              </a:rPr>
-              <a:t> </a:t>
-            </a:r>
-            <a:r>
-              <a:rPr lang="en-US" sz="3200" dirty="0" err="1">
-                <a:latin typeface="Times New Roman" panose="02020603050405020304" pitchFamily="18" charset="0"/>
-                <a:cs typeface="Times New Roman" panose="02020603050405020304" pitchFamily="18" charset="0"/>
-              </a:rPr>
-              <a:t>sonra</a:t>
-            </a:r>
-            <a:r>
-              <a:rPr lang="en-US" sz="3200" dirty="0">
-                <a:latin typeface="Times New Roman" panose="02020603050405020304" pitchFamily="18" charset="0"/>
-                <a:cs typeface="Times New Roman" panose="02020603050405020304" pitchFamily="18" charset="0"/>
-              </a:rPr>
-              <a:t> </a:t>
-            </a:r>
-            <a:r>
-              <a:rPr lang="en-US" sz="3200" dirty="0" err="1">
-                <a:latin typeface="Times New Roman" panose="02020603050405020304" pitchFamily="18" charset="0"/>
-                <a:cs typeface="Times New Roman" panose="02020603050405020304" pitchFamily="18" charset="0"/>
-              </a:rPr>
-              <a:t>senaryolar</a:t>
-            </a:r>
-            <a:r>
-              <a:rPr lang="tr-TR" sz="3200" dirty="0">
-                <a:latin typeface="Times New Roman" panose="02020603050405020304" pitchFamily="18" charset="0"/>
-                <a:cs typeface="Times New Roman" panose="02020603050405020304" pitchFamily="18" charset="0"/>
-              </a:rPr>
-              <a:t> </a:t>
-            </a:r>
-            <a:r>
-              <a:rPr lang="en-US" sz="3200" dirty="0" err="1">
+              <a:rPr lang="tr-TR" sz="3200" b="1" dirty="0">
+                <a:latin typeface="Times New Roman" panose="02020603050405020304" pitchFamily="18" charset="0"/>
+                <a:cs typeface="Times New Roman" panose="02020603050405020304" pitchFamily="18" charset="0"/>
+              </a:rPr>
+              <a:t> </a:t>
+            </a:r>
+            <a:r>
+              <a:rPr lang="en-US" sz="3200" b="1" dirty="0" err="1">
                 <a:latin typeface="Times New Roman" panose="02020603050405020304" pitchFamily="18" charset="0"/>
                 <a:cs typeface="Times New Roman" panose="02020603050405020304" pitchFamily="18" charset="0"/>
               </a:rPr>
               <a:t>işlere</a:t>
             </a:r>
             <a:r>
-              <a:rPr lang="en-US" sz="3200" dirty="0">
-                <a:latin typeface="Times New Roman" panose="02020603050405020304" pitchFamily="18" charset="0"/>
-                <a:cs typeface="Times New Roman" panose="02020603050405020304" pitchFamily="18" charset="0"/>
-              </a:rPr>
-              <a:t> </a:t>
-            </a:r>
-            <a:r>
-              <a:rPr lang="en-US" sz="3200" dirty="0" err="1">
+              <a:rPr lang="en-US" sz="3200" b="1" dirty="0">
+                <a:latin typeface="Times New Roman" panose="02020603050405020304" pitchFamily="18" charset="0"/>
+                <a:cs typeface="Times New Roman" panose="02020603050405020304" pitchFamily="18" charset="0"/>
+              </a:rPr>
+              <a:t> </a:t>
+            </a:r>
+            <a:r>
+              <a:rPr lang="en-US" sz="3200" b="1" dirty="0" err="1">
                 <a:latin typeface="Times New Roman" panose="02020603050405020304" pitchFamily="18" charset="0"/>
                 <a:cs typeface="Times New Roman" panose="02020603050405020304" pitchFamily="18" charset="0"/>
               </a:rPr>
@@ -15765,11 +15786,39 @@
               <a:buChar char="Ø"/>
             </a:pPr>
             <a:r>
+              <a:rPr lang="en-US" sz="3200" b="1" dirty="0" err="1">
+                <a:latin typeface="Times New Roman" panose="02020603050405020304" pitchFamily="18" charset="0"/>
+                <a:cs typeface="Times New Roman" panose="02020603050405020304" pitchFamily="18" charset="0"/>
+              </a:rPr>
+              <a:t>Yazılımcılar</a:t>
+            </a:r>
+            <a:r>
+              <a:rPr lang="en-US" sz="3200" b="1" dirty="0">
+                <a:latin typeface="Times New Roman" panose="02020603050405020304" pitchFamily="18" charset="0"/>
+                <a:cs typeface="Times New Roman" panose="02020603050405020304" pitchFamily="18" charset="0"/>
+              </a:rPr>
+              <a:t> </a:t>
+            </a:r>
+            <a:r>
+              <a:rPr lang="en-US" sz="3200" b="1" dirty="0" err="1">
+                <a:latin typeface="Times New Roman" panose="02020603050405020304" pitchFamily="18" charset="0"/>
+                <a:cs typeface="Times New Roman" panose="02020603050405020304" pitchFamily="18" charset="0"/>
+              </a:rPr>
+              <a:t>çiftler</a:t>
+            </a:r>
+            <a:r>
+              <a:rPr lang="en-US" sz="3200" b="1" dirty="0">
+                <a:latin typeface="Times New Roman" panose="02020603050405020304" pitchFamily="18" charset="0"/>
+                <a:cs typeface="Times New Roman" panose="02020603050405020304" pitchFamily="18" charset="0"/>
+              </a:rPr>
+              <a:t> </a:t>
+            </a:r>
+            <a:r>
               <a:rPr lang="en-US" sz="3200" dirty="0" err="1">
                 <a:latin typeface="Times New Roman" panose="02020603050405020304" pitchFamily="18" charset="0"/>
                 <a:cs typeface="Times New Roman" panose="02020603050405020304" pitchFamily="18" charset="0"/>
               </a:rPr>
-              <a:t>Yazılımcılar</a:t>
+              <a:t>halinde</a:t>
             </a:r>
             <a:r>
               <a:rPr lang="en-US" sz="3200" dirty="0">
@@ -15783,7 +15832,7 @@
                 <a:latin typeface="Times New Roman" panose="02020603050405020304" pitchFamily="18" charset="0"/>
                 <a:cs typeface="Times New Roman" panose="02020603050405020304" pitchFamily="18" charset="0"/>
               </a:rPr>
-              <a:t>çiftler</a:t>
+              <a:t>çalışır</a:t>
             </a:r>
             <a:r>
               <a:rPr lang="en-US" sz="3200" dirty="0">
@@ -15797,7 +15846,7 @@
                 <a:latin typeface="Times New Roman" panose="02020603050405020304" pitchFamily="18" charset="0"/>
                 <a:cs typeface="Times New Roman" panose="02020603050405020304" pitchFamily="18" charset="0"/>
               </a:rPr>
-              <a:t>halinde</a:t>
+              <a:t>ve</a:t>
             </a:r>
             <a:r>
               <a:rPr lang="en-US" sz="3200" dirty="0">
@@ -15807,11 +15856,60 @@
               <a:t> </a:t>
             </a:r>
             <a:r>
+              <a:rPr lang="en-US" sz="3200" b="1" dirty="0">
+                <a:latin typeface="Times New Roman" panose="02020603050405020304" pitchFamily="18" charset="0"/>
+                <a:cs typeface="Times New Roman" panose="02020603050405020304" pitchFamily="18" charset="0"/>
+              </a:rPr>
+              <a:t>her </a:t>
+            </a:r>
+            <a:r>
+              <a:rPr lang="en-US" sz="3200" b="1" dirty="0" err="1">
+                <a:latin typeface="Times New Roman" panose="02020603050405020304" pitchFamily="18" charset="0"/>
+                <a:cs typeface="Times New Roman" panose="02020603050405020304" pitchFamily="18" charset="0"/>
+              </a:rPr>
+              <a:t>iş</a:t>
+            </a:r>
+            <a:r>
+              <a:rPr lang="en-US" sz="3200" b="1" dirty="0">
+                <a:latin typeface="Times New Roman" panose="02020603050405020304" pitchFamily="18" charset="0"/>
+                <a:cs typeface="Times New Roman" panose="02020603050405020304" pitchFamily="18" charset="0"/>
+              </a:rPr>
+              <a:t> </a:t>
+            </a:r>
+            <a:r>
+              <a:rPr lang="en-US" sz="3200" b="1" dirty="0" err="1">
+                <a:latin typeface="Times New Roman" panose="02020603050405020304" pitchFamily="18" charset="0"/>
+                <a:cs typeface="Times New Roman" panose="02020603050405020304" pitchFamily="18" charset="0"/>
+              </a:rPr>
+              <a:t>için</a:t>
+            </a:r>
+            <a:r>
+              <a:rPr lang="en-US" sz="3200" b="1" dirty="0">
+                <a:latin typeface="Times New Roman" panose="02020603050405020304" pitchFamily="18" charset="0"/>
+                <a:cs typeface="Times New Roman" panose="02020603050405020304" pitchFamily="18" charset="0"/>
+              </a:rPr>
+              <a:t> test de </a:t>
+            </a:r>
+            <a:r>
+              <a:rPr lang="en-US" sz="3200" b="1" dirty="0" err="1">
+                <a:latin typeface="Times New Roman" panose="02020603050405020304" pitchFamily="18" charset="0"/>
+                <a:cs typeface="Times New Roman" panose="02020603050405020304" pitchFamily="18" charset="0"/>
+              </a:rPr>
+              <a:t>geliştirir</a:t>
+            </a:r>
+            <a:r>
+              <a:rPr lang="en-US" sz="3200" dirty="0">
+                <a:latin typeface="Times New Roman" panose="02020603050405020304" pitchFamily="18" charset="0"/>
+                <a:cs typeface="Times New Roman" panose="02020603050405020304" pitchFamily="18" charset="0"/>
+              </a:rPr>
+              <a:t>. </a:t>
+            </a:r>
+            <a:r>
               <a:rPr lang="en-US" sz="3200" dirty="0" err="1">
                 <a:latin typeface="Times New Roman" panose="02020603050405020304" pitchFamily="18" charset="0"/>
                 <a:cs typeface="Times New Roman" panose="02020603050405020304" pitchFamily="18" charset="0"/>
               </a:rPr>
-              <a:t>çalışır</a:t>
+              <a:t>İşleri</a:t>
             </a:r>
             <a:r>
               <a:rPr lang="en-US" sz="3200" dirty="0">
@@ -15825,76 +15923,6 @@
                 <a:latin typeface="Times New Roman" panose="02020603050405020304" pitchFamily="18" charset="0"/>
                 <a:cs typeface="Times New Roman" panose="02020603050405020304" pitchFamily="18" charset="0"/>
               </a:rPr>
-              <a:t>ve</a:t>
-            </a:r>
-            <a:r>
-              <a:rPr lang="en-US" sz="3200" dirty="0">
-                <a:latin typeface="Times New Roman" panose="02020603050405020304" pitchFamily="18" charset="0"/>
-                <a:cs typeface="Times New Roman" panose="02020603050405020304" pitchFamily="18" charset="0"/>
-              </a:rPr>
-              <a:t> her </a:t>
-            </a:r>
-            <a:r>
-              <a:rPr lang="en-US" sz="3200" dirty="0" err="1">
-                <a:latin typeface="Times New Roman" panose="02020603050405020304" pitchFamily="18" charset="0"/>
-                <a:cs typeface="Times New Roman" panose="02020603050405020304" pitchFamily="18" charset="0"/>
-              </a:rPr>
-              <a:t>iş</a:t>
-            </a:r>
-            <a:r>
-              <a:rPr lang="en-US" sz="3200" dirty="0">
-                <a:latin typeface="Times New Roman" panose="02020603050405020304" pitchFamily="18" charset="0"/>
-                <a:cs typeface="Times New Roman" panose="02020603050405020304" pitchFamily="18" charset="0"/>
-              </a:rPr>
-              <a:t> </a:t>
-            </a:r>
-            <a:r>
-              <a:rPr lang="en-US" sz="3200" dirty="0" err="1">
-                <a:latin typeface="Times New Roman" panose="02020603050405020304" pitchFamily="18" charset="0"/>
-                <a:cs typeface="Times New Roman" panose="02020603050405020304" pitchFamily="18" charset="0"/>
-              </a:rPr>
-              <a:t>için</a:t>
-            </a:r>
-            <a:r>
-              <a:rPr lang="en-US" sz="3200" dirty="0">
-                <a:latin typeface="Times New Roman" panose="02020603050405020304" pitchFamily="18" charset="0"/>
-                <a:cs typeface="Times New Roman" panose="02020603050405020304" pitchFamily="18" charset="0"/>
-              </a:rPr>
-              <a:t> test de </a:t>
-            </a:r>
-            <a:r>
-              <a:rPr lang="en-US" sz="3200" dirty="0" err="1">
-                <a:latin typeface="Times New Roman" panose="02020603050405020304" pitchFamily="18" charset="0"/>
-                <a:cs typeface="Times New Roman" panose="02020603050405020304" pitchFamily="18" charset="0"/>
-              </a:rPr>
-              <a:t>geliştirir</a:t>
-            </a:r>
-            <a:r>
-              <a:rPr lang="en-US" sz="3200" dirty="0">
-                <a:latin typeface="Times New Roman" panose="02020603050405020304" pitchFamily="18" charset="0"/>
-                <a:cs typeface="Times New Roman" panose="02020603050405020304" pitchFamily="18" charset="0"/>
-              </a:rPr>
-              <a:t>. </a:t>
-            </a:r>
-            <a:r>
-              <a:rPr lang="en-US" sz="3200" dirty="0" err="1">
-                <a:latin typeface="Times New Roman" panose="02020603050405020304" pitchFamily="18" charset="0"/>
-                <a:cs typeface="Times New Roman" panose="02020603050405020304" pitchFamily="18" charset="0"/>
-              </a:rPr>
-              <a:t>İşleri</a:t>
-            </a:r>
-            <a:r>
-              <a:rPr lang="en-US" sz="3200" dirty="0">
-                <a:latin typeface="Times New Roman" panose="02020603050405020304" pitchFamily="18" charset="0"/>
-                <a:cs typeface="Times New Roman" panose="02020603050405020304" pitchFamily="18" charset="0"/>
-              </a:rPr>
-              <a:t> </a:t>
-            </a:r>
-            <a:r>
-              <a:rPr lang="en-US" sz="3200" dirty="0" err="1">
-                <a:latin typeface="Times New Roman" panose="02020603050405020304" pitchFamily="18" charset="0"/>
-                <a:cs typeface="Times New Roman" panose="02020603050405020304" pitchFamily="18" charset="0"/>
-              </a:rPr>
               <a:t>sonra</a:t>
             </a:r>
             <a:r>
@@ -15905,7 +15933,7 @@
               <a:t> </a:t>
             </a:r>
             <a:r>
-              <a:rPr lang="en-US" sz="3200" dirty="0" err="1">
+              <a:rPr lang="en-US" sz="3200" b="1" dirty="0" err="1">
                 <a:latin typeface="Times New Roman" panose="02020603050405020304" pitchFamily="18" charset="0"/>
                 <a:cs typeface="Times New Roman" panose="02020603050405020304" pitchFamily="18" charset="0"/>
               </a:rPr>
@@ -16137,14 +16165,14 @@
               <a:buChar char="o"/>
             </a:pPr>
             <a:r>
-              <a:rPr lang="en-US" sz="3000" dirty="0" err="1">
+              <a:rPr lang="en-US" sz="3000" b="1" dirty="0" err="1">
                 <a:latin typeface="Times New Roman" panose="02020603050405020304" pitchFamily="18" charset="0"/>
                 <a:cs typeface="Times New Roman" panose="02020603050405020304" pitchFamily="18" charset="0"/>
               </a:rPr>
               <a:t>Basitlik</a:t>
             </a:r>
             <a:r>
-              <a:rPr lang="en-US" sz="3000" dirty="0">
+              <a:rPr lang="en-US" sz="3000" b="1" dirty="0">
                 <a:latin typeface="Times New Roman" panose="02020603050405020304" pitchFamily="18" charset="0"/>
                 <a:cs typeface="Times New Roman" panose="02020603050405020304" pitchFamily="18" charset="0"/>
               </a:rPr>
@@ -16157,14 +16185,14 @@
               <a:buChar char="o"/>
             </a:pPr>
             <a:r>
-              <a:rPr lang="en-US" sz="3000" dirty="0" err="1">
+              <a:rPr lang="en-US" sz="3000" b="1" dirty="0" err="1">
                 <a:latin typeface="Times New Roman" panose="02020603050405020304" pitchFamily="18" charset="0"/>
                 <a:cs typeface="Times New Roman" panose="02020603050405020304" pitchFamily="18" charset="0"/>
               </a:rPr>
               <a:t>İletişim</a:t>
             </a:r>
             <a:r>
-              <a:rPr lang="en-US" sz="3000" dirty="0">
+              <a:rPr lang="en-US" sz="3000" b="1" dirty="0">
                 <a:latin typeface="Times New Roman" panose="02020603050405020304" pitchFamily="18" charset="0"/>
                 <a:cs typeface="Times New Roman" panose="02020603050405020304" pitchFamily="18" charset="0"/>
               </a:rPr>
@@ -16177,21 +16205,21 @@
               <a:buChar char="o"/>
             </a:pPr>
             <a:r>
-              <a:rPr lang="en-US" sz="3000" dirty="0">
+              <a:rPr lang="en-US" sz="3000" b="1" dirty="0">
                 <a:latin typeface="Times New Roman" panose="02020603050405020304" pitchFamily="18" charset="0"/>
                 <a:cs typeface="Times New Roman" panose="02020603050405020304" pitchFamily="18" charset="0"/>
               </a:rPr>
               <a:t>Geri </a:t>
             </a:r>
             <a:r>
-              <a:rPr lang="en-US" sz="3000" dirty="0" err="1">
+              <a:rPr lang="en-US" sz="3000" b="1" dirty="0" err="1">
                 <a:latin typeface="Times New Roman" panose="02020603050405020304" pitchFamily="18" charset="0"/>
                 <a:cs typeface="Times New Roman" panose="02020603050405020304" pitchFamily="18" charset="0"/>
               </a:rPr>
               <a:t>bildirim</a:t>
             </a:r>
             <a:r>
-              <a:rPr lang="en-US" sz="3000" dirty="0">
+              <a:rPr lang="en-US" sz="3000" b="1" dirty="0">
                 <a:latin typeface="Times New Roman" panose="02020603050405020304" pitchFamily="18" charset="0"/>
                 <a:cs typeface="Times New Roman" panose="02020603050405020304" pitchFamily="18" charset="0"/>
               </a:rPr>
@@ -16204,13 +16232,13 @@
               <a:buChar char="o"/>
             </a:pPr>
             <a:r>
-              <a:rPr lang="en-US" sz="3000" dirty="0" err="1">
+              <a:rPr lang="en-US" sz="3000" b="1" dirty="0" err="1">
                 <a:latin typeface="Times New Roman" panose="02020603050405020304" pitchFamily="18" charset="0"/>
                 <a:cs typeface="Times New Roman" panose="02020603050405020304" pitchFamily="18" charset="0"/>
               </a:rPr>
               <a:t>Cesaret</a:t>
             </a:r>
-            <a:endParaRPr lang="en-US" sz="3000" dirty="0">
+            <a:endParaRPr lang="en-US" sz="3000" b="1" dirty="0">
               <a:latin typeface="Times New Roman" panose="02020603050405020304" pitchFamily="18" charset="0"/>
               <a:cs typeface="Times New Roman" panose="02020603050405020304" pitchFamily="18" charset="0"/>
             </a:endParaRPr>
@@ -17585,35 +17613,35 @@
               <a:t> </a:t>
             </a:r>
             <a:r>
-              <a:rPr lang="en-US" dirty="0" err="1">
+              <a:rPr lang="en-US" b="1" dirty="0" err="1">
                 <a:latin typeface="Times New Roman" panose="02020603050405020304" pitchFamily="18" charset="0"/>
                 <a:cs typeface="Times New Roman" panose="02020603050405020304" pitchFamily="18" charset="0"/>
               </a:rPr>
               <a:t>devamlı</a:t>
             </a:r>
             <a:r>
-              <a:rPr lang="en-US" dirty="0">
-                <a:latin typeface="Times New Roman" panose="02020603050405020304" pitchFamily="18" charset="0"/>
-                <a:cs typeface="Times New Roman" panose="02020603050405020304" pitchFamily="18" charset="0"/>
-              </a:rPr>
-              <a:t> </a:t>
-            </a:r>
-            <a:r>
-              <a:rPr lang="en-US" dirty="0" err="1">
+              <a:rPr lang="en-US" b="1" dirty="0">
+                <a:latin typeface="Times New Roman" panose="02020603050405020304" pitchFamily="18" charset="0"/>
+                <a:cs typeface="Times New Roman" panose="02020603050405020304" pitchFamily="18" charset="0"/>
+              </a:rPr>
+              <a:t> </a:t>
+            </a:r>
+            <a:r>
+              <a:rPr lang="en-US" b="1" dirty="0" err="1">
                 <a:latin typeface="Times New Roman" panose="02020603050405020304" pitchFamily="18" charset="0"/>
                 <a:cs typeface="Times New Roman" panose="02020603050405020304" pitchFamily="18" charset="0"/>
               </a:rPr>
               <a:t>beraber</a:t>
             </a:r>
             <a:r>
-              <a:rPr lang="en-US" dirty="0">
-                <a:latin typeface="Times New Roman" panose="02020603050405020304" pitchFamily="18" charset="0"/>
-                <a:cs typeface="Times New Roman" panose="02020603050405020304" pitchFamily="18" charset="0"/>
-              </a:rPr>
-              <a:t> </a:t>
-            </a:r>
-            <a:r>
-              <a:rPr lang="en-US" dirty="0" err="1">
+              <a:rPr lang="en-US" b="1" dirty="0">
+                <a:latin typeface="Times New Roman" panose="02020603050405020304" pitchFamily="18" charset="0"/>
+                <a:cs typeface="Times New Roman" panose="02020603050405020304" pitchFamily="18" charset="0"/>
+              </a:rPr>
+              <a:t> </a:t>
+            </a:r>
+            <a:r>
+              <a:rPr lang="en-US" b="1" dirty="0" err="1">
                 <a:latin typeface="Times New Roman" panose="02020603050405020304" pitchFamily="18" charset="0"/>
                 <a:cs typeface="Times New Roman" panose="02020603050405020304" pitchFamily="18" charset="0"/>
               </a:rPr>
@@ -17661,105 +17689,105 @@
               <a:t> </a:t>
             </a:r>
             <a:r>
-              <a:rPr lang="en-US" dirty="0" err="1">
+              <a:rPr lang="en-US" b="1" dirty="0" err="1">
                 <a:latin typeface="Times New Roman" panose="02020603050405020304" pitchFamily="18" charset="0"/>
                 <a:cs typeface="Times New Roman" panose="02020603050405020304" pitchFamily="18" charset="0"/>
               </a:rPr>
               <a:t>aynı</a:t>
             </a:r>
             <a:r>
-              <a:rPr lang="en-US" dirty="0">
-                <a:latin typeface="Times New Roman" panose="02020603050405020304" pitchFamily="18" charset="0"/>
-                <a:cs typeface="Times New Roman" panose="02020603050405020304" pitchFamily="18" charset="0"/>
-              </a:rPr>
-              <a:t> </a:t>
-            </a:r>
-            <a:r>
-              <a:rPr lang="en-US" dirty="0" err="1">
+              <a:rPr lang="en-US" b="1" dirty="0">
+                <a:latin typeface="Times New Roman" panose="02020603050405020304" pitchFamily="18" charset="0"/>
+                <a:cs typeface="Times New Roman" panose="02020603050405020304" pitchFamily="18" charset="0"/>
+              </a:rPr>
+              <a:t> </a:t>
+            </a:r>
+            <a:r>
+              <a:rPr lang="en-US" b="1" dirty="0" err="1">
                 <a:latin typeface="Times New Roman" panose="02020603050405020304" pitchFamily="18" charset="0"/>
                 <a:cs typeface="Times New Roman" panose="02020603050405020304" pitchFamily="18" charset="0"/>
               </a:rPr>
               <a:t>iş</a:t>
             </a:r>
             <a:r>
-              <a:rPr lang="en-US" dirty="0">
-                <a:latin typeface="Times New Roman" panose="02020603050405020304" pitchFamily="18" charset="0"/>
-                <a:cs typeface="Times New Roman" panose="02020603050405020304" pitchFamily="18" charset="0"/>
-              </a:rPr>
-              <a:t> </a:t>
-            </a:r>
-            <a:r>
-              <a:rPr lang="en-US" dirty="0" err="1">
+              <a:rPr lang="en-US" b="1" dirty="0">
+                <a:latin typeface="Times New Roman" panose="02020603050405020304" pitchFamily="18" charset="0"/>
+                <a:cs typeface="Times New Roman" panose="02020603050405020304" pitchFamily="18" charset="0"/>
+              </a:rPr>
+              <a:t> </a:t>
+            </a:r>
+            <a:r>
+              <a:rPr lang="en-US" b="1" dirty="0" err="1">
                 <a:latin typeface="Times New Roman" panose="02020603050405020304" pitchFamily="18" charset="0"/>
                 <a:cs typeface="Times New Roman" panose="02020603050405020304" pitchFamily="18" charset="0"/>
               </a:rPr>
               <a:t>için</a:t>
             </a:r>
             <a:r>
-              <a:rPr lang="en-US" dirty="0">
-                <a:latin typeface="Times New Roman" panose="02020603050405020304" pitchFamily="18" charset="0"/>
-                <a:cs typeface="Times New Roman" panose="02020603050405020304" pitchFamily="18" charset="0"/>
-              </a:rPr>
-              <a:t> </a:t>
-            </a:r>
-            <a:r>
-              <a:rPr lang="en-US" dirty="0" err="1">
+              <a:rPr lang="en-US" b="1" dirty="0">
+                <a:latin typeface="Times New Roman" panose="02020603050405020304" pitchFamily="18" charset="0"/>
+                <a:cs typeface="Times New Roman" panose="02020603050405020304" pitchFamily="18" charset="0"/>
+              </a:rPr>
+              <a:t> </a:t>
+            </a:r>
+            <a:r>
+              <a:rPr lang="en-US" b="1" dirty="0" err="1">
                 <a:latin typeface="Times New Roman" panose="02020603050405020304" pitchFamily="18" charset="0"/>
                 <a:cs typeface="Times New Roman" panose="02020603050405020304" pitchFamily="18" charset="0"/>
               </a:rPr>
               <a:t>peşpeşe</a:t>
             </a:r>
             <a:r>
-              <a:rPr lang="en-US" dirty="0">
-                <a:latin typeface="Times New Roman" panose="02020603050405020304" pitchFamily="18" charset="0"/>
-                <a:cs typeface="Times New Roman" panose="02020603050405020304" pitchFamily="18" charset="0"/>
-              </a:rPr>
-              <a:t> </a:t>
-            </a:r>
-            <a:r>
-              <a:rPr lang="en-US" dirty="0" err="1">
+              <a:rPr lang="en-US" b="1" dirty="0">
+                <a:latin typeface="Times New Roman" panose="02020603050405020304" pitchFamily="18" charset="0"/>
+                <a:cs typeface="Times New Roman" panose="02020603050405020304" pitchFamily="18" charset="0"/>
+              </a:rPr>
+              <a:t> </a:t>
+            </a:r>
+            <a:r>
+              <a:rPr lang="en-US" b="1" dirty="0" err="1">
                 <a:latin typeface="Times New Roman" panose="02020603050405020304" pitchFamily="18" charset="0"/>
                 <a:cs typeface="Times New Roman" panose="02020603050405020304" pitchFamily="18" charset="0"/>
               </a:rPr>
               <a:t>iki</a:t>
             </a:r>
             <a:r>
-              <a:rPr lang="en-US" dirty="0">
-                <a:latin typeface="Times New Roman" panose="02020603050405020304" pitchFamily="18" charset="0"/>
-                <a:cs typeface="Times New Roman" panose="02020603050405020304" pitchFamily="18" charset="0"/>
-              </a:rPr>
-              <a:t> </a:t>
-            </a:r>
-            <a:r>
-              <a:rPr lang="en-US" dirty="0" err="1">
+              <a:rPr lang="en-US" b="1" dirty="0">
+                <a:latin typeface="Times New Roman" panose="02020603050405020304" pitchFamily="18" charset="0"/>
+                <a:cs typeface="Times New Roman" panose="02020603050405020304" pitchFamily="18" charset="0"/>
+              </a:rPr>
+              <a:t> </a:t>
+            </a:r>
+            <a:r>
+              <a:rPr lang="en-US" b="1" dirty="0" err="1">
                 <a:latin typeface="Times New Roman" panose="02020603050405020304" pitchFamily="18" charset="0"/>
                 <a:cs typeface="Times New Roman" panose="02020603050405020304" pitchFamily="18" charset="0"/>
               </a:rPr>
               <a:t>haftadan</a:t>
             </a:r>
             <a:r>
-              <a:rPr lang="en-US" dirty="0">
-                <a:latin typeface="Times New Roman" panose="02020603050405020304" pitchFamily="18" charset="0"/>
-                <a:cs typeface="Times New Roman" panose="02020603050405020304" pitchFamily="18" charset="0"/>
-              </a:rPr>
-              <a:t> </a:t>
-            </a:r>
-            <a:r>
-              <a:rPr lang="en-US" dirty="0" err="1">
+              <a:rPr lang="en-US" b="1" dirty="0">
+                <a:latin typeface="Times New Roman" panose="02020603050405020304" pitchFamily="18" charset="0"/>
+                <a:cs typeface="Times New Roman" panose="02020603050405020304" pitchFamily="18" charset="0"/>
+              </a:rPr>
+              <a:t> </a:t>
+            </a:r>
+            <a:r>
+              <a:rPr lang="en-US" b="1" dirty="0" err="1">
                 <a:latin typeface="Times New Roman" panose="02020603050405020304" pitchFamily="18" charset="0"/>
                 <a:cs typeface="Times New Roman" panose="02020603050405020304" pitchFamily="18" charset="0"/>
               </a:rPr>
               <a:t>fazla</a:t>
             </a:r>
             <a:r>
-              <a:rPr lang="en-US" dirty="0">
-                <a:latin typeface="Times New Roman" panose="02020603050405020304" pitchFamily="18" charset="0"/>
-                <a:cs typeface="Times New Roman" panose="02020603050405020304" pitchFamily="18" charset="0"/>
-              </a:rPr>
-              <a:t> </a:t>
-            </a:r>
-            <a:r>
-              <a:rPr lang="en-US" dirty="0" err="1">
+              <a:rPr lang="en-US" b="1" dirty="0">
+                <a:latin typeface="Times New Roman" panose="02020603050405020304" pitchFamily="18" charset="0"/>
+                <a:cs typeface="Times New Roman" panose="02020603050405020304" pitchFamily="18" charset="0"/>
+              </a:rPr>
+              <a:t> </a:t>
+            </a:r>
+            <a:r>
+              <a:rPr lang="en-US" b="1" dirty="0" err="1">
                 <a:latin typeface="Times New Roman" panose="02020603050405020304" pitchFamily="18" charset="0"/>
                 <a:cs typeface="Times New Roman" panose="02020603050405020304" pitchFamily="18" charset="0"/>
               </a:rPr>
@@ -17807,21 +17835,21 @@
               <a:t> </a:t>
             </a:r>
             <a:r>
-              <a:rPr lang="en-US" dirty="0" err="1">
+              <a:rPr lang="en-US" b="1" dirty="0" err="1">
                 <a:latin typeface="Times New Roman" panose="02020603050405020304" pitchFamily="18" charset="0"/>
                 <a:cs typeface="Times New Roman" panose="02020603050405020304" pitchFamily="18" charset="0"/>
               </a:rPr>
               <a:t>özelleşme</a:t>
             </a:r>
             <a:r>
-              <a:rPr lang="en-US" dirty="0">
-                <a:latin typeface="Times New Roman" panose="02020603050405020304" pitchFamily="18" charset="0"/>
-                <a:cs typeface="Times New Roman" panose="02020603050405020304" pitchFamily="18" charset="0"/>
-              </a:rPr>
-              <a:t> </a:t>
-            </a:r>
-            <a:r>
-              <a:rPr lang="en-US" dirty="0" err="1">
+              <a:rPr lang="en-US" b="1" dirty="0">
+                <a:latin typeface="Times New Roman" panose="02020603050405020304" pitchFamily="18" charset="0"/>
+                <a:cs typeface="Times New Roman" panose="02020603050405020304" pitchFamily="18" charset="0"/>
+              </a:rPr>
+              <a:t> </a:t>
+            </a:r>
+            <a:r>
+              <a:rPr lang="en-US" b="1" dirty="0" err="1">
                 <a:latin typeface="Times New Roman" panose="02020603050405020304" pitchFamily="18" charset="0"/>
                 <a:cs typeface="Times New Roman" panose="02020603050405020304" pitchFamily="18" charset="0"/>
               </a:rPr>
@@ -18016,56 +18044,56 @@
               <a:t> </a:t>
             </a:r>
             <a:r>
-              <a:rPr lang="en-US" dirty="0" err="1">
+              <a:rPr lang="en-US" b="1" dirty="0" err="1">
                 <a:latin typeface="Times New Roman" panose="02020603050405020304" pitchFamily="18" charset="0"/>
                 <a:cs typeface="Times New Roman" panose="02020603050405020304" pitchFamily="18" charset="0"/>
               </a:rPr>
               <a:t>büyük</a:t>
             </a:r>
             <a:r>
-              <a:rPr lang="en-US" dirty="0">
-                <a:latin typeface="Times New Roman" panose="02020603050405020304" pitchFamily="18" charset="0"/>
-                <a:cs typeface="Times New Roman" panose="02020603050405020304" pitchFamily="18" charset="0"/>
-              </a:rPr>
-              <a:t> </a:t>
-            </a:r>
-            <a:r>
-              <a:rPr lang="en-US" dirty="0" err="1">
+              <a:rPr lang="en-US" b="1" dirty="0">
+                <a:latin typeface="Times New Roman" panose="02020603050405020304" pitchFamily="18" charset="0"/>
+                <a:cs typeface="Times New Roman" panose="02020603050405020304" pitchFamily="18" charset="0"/>
+              </a:rPr>
+              <a:t> </a:t>
+            </a:r>
+            <a:r>
+              <a:rPr lang="en-US" b="1" dirty="0" err="1">
                 <a:latin typeface="Times New Roman" panose="02020603050405020304" pitchFamily="18" charset="0"/>
                 <a:cs typeface="Times New Roman" panose="02020603050405020304" pitchFamily="18" charset="0"/>
               </a:rPr>
               <a:t>bir</a:t>
             </a:r>
             <a:r>
-              <a:rPr lang="en-US" dirty="0">
-                <a:latin typeface="Times New Roman" panose="02020603050405020304" pitchFamily="18" charset="0"/>
-                <a:cs typeface="Times New Roman" panose="02020603050405020304" pitchFamily="18" charset="0"/>
-              </a:rPr>
-              <a:t> </a:t>
-            </a:r>
-            <a:r>
-              <a:rPr lang="en-US" dirty="0" err="1">
+              <a:rPr lang="en-US" b="1" dirty="0">
+                <a:latin typeface="Times New Roman" panose="02020603050405020304" pitchFamily="18" charset="0"/>
+                <a:cs typeface="Times New Roman" panose="02020603050405020304" pitchFamily="18" charset="0"/>
+              </a:rPr>
+              <a:t> </a:t>
+            </a:r>
+            <a:r>
+              <a:rPr lang="en-US" b="1" dirty="0" err="1">
                 <a:latin typeface="Times New Roman" panose="02020603050405020304" pitchFamily="18" charset="0"/>
                 <a:cs typeface="Times New Roman" panose="02020603050405020304" pitchFamily="18" charset="0"/>
               </a:rPr>
               <a:t>tasarım</a:t>
             </a:r>
             <a:r>
-              <a:rPr lang="en-US" dirty="0">
-                <a:latin typeface="Times New Roman" panose="02020603050405020304" pitchFamily="18" charset="0"/>
-                <a:cs typeface="Times New Roman" panose="02020603050405020304" pitchFamily="18" charset="0"/>
-              </a:rPr>
-              <a:t> </a:t>
-            </a:r>
-            <a:r>
-              <a:rPr lang="en-US" dirty="0" err="1">
+              <a:rPr lang="en-US" b="1" dirty="0">
+                <a:latin typeface="Times New Roman" panose="02020603050405020304" pitchFamily="18" charset="0"/>
+                <a:cs typeface="Times New Roman" panose="02020603050405020304" pitchFamily="18" charset="0"/>
+              </a:rPr>
+              <a:t> </a:t>
+            </a:r>
+            <a:r>
+              <a:rPr lang="en-US" b="1" dirty="0" err="1">
                 <a:latin typeface="Times New Roman" panose="02020603050405020304" pitchFamily="18" charset="0"/>
                 <a:cs typeface="Times New Roman" panose="02020603050405020304" pitchFamily="18" charset="0"/>
               </a:rPr>
               <a:t>aşaması</a:t>
             </a:r>
             <a:r>
-              <a:rPr lang="en-US" dirty="0">
+              <a:rPr lang="en-US" b="1" dirty="0">
                 <a:latin typeface="Times New Roman" panose="02020603050405020304" pitchFamily="18" charset="0"/>
                 <a:cs typeface="Times New Roman" panose="02020603050405020304" pitchFamily="18" charset="0"/>
               </a:rPr>
